--- a/Elasticsearch 기초 다지기.pptx
+++ b/Elasticsearch 기초 다지기.pptx
@@ -5,7 +5,7 @@
     <p:sldMasterId id="2147483672" r:id="rId1"/>
   </p:sldMasterIdLst>
   <p:notesMasterIdLst>
-    <p:notesMasterId r:id="rId26"/>
+    <p:notesMasterId r:id="rId27"/>
   </p:notesMasterIdLst>
   <p:sldIdLst>
     <p:sldId id="257" r:id="rId2"/>
@@ -23,40 +23,41 @@
     <p:sldId id="290" r:id="rId14"/>
     <p:sldId id="292" r:id="rId15"/>
     <p:sldId id="293" r:id="rId16"/>
-    <p:sldId id="279" r:id="rId17"/>
-    <p:sldId id="297" r:id="rId18"/>
-    <p:sldId id="300" r:id="rId19"/>
-    <p:sldId id="302" r:id="rId20"/>
-    <p:sldId id="298" r:id="rId21"/>
-    <p:sldId id="303" r:id="rId22"/>
-    <p:sldId id="304" r:id="rId23"/>
-    <p:sldId id="277" r:id="rId24"/>
-    <p:sldId id="276" r:id="rId25"/>
+    <p:sldId id="306" r:id="rId17"/>
+    <p:sldId id="279" r:id="rId18"/>
+    <p:sldId id="297" r:id="rId19"/>
+    <p:sldId id="300" r:id="rId20"/>
+    <p:sldId id="302" r:id="rId21"/>
+    <p:sldId id="298" r:id="rId22"/>
+    <p:sldId id="303" r:id="rId23"/>
+    <p:sldId id="304" r:id="rId24"/>
+    <p:sldId id="277" r:id="rId25"/>
+    <p:sldId id="276" r:id="rId26"/>
   </p:sldIdLst>
   <p:sldSz cx="9144000" cy="6858000" type="screen4x3"/>
   <p:notesSz cx="6858000" cy="9144000"/>
   <p:embeddedFontLst>
     <p:embeddedFont>
+      <p:font typeface="맑은 고딕" panose="020B0503020000020004" pitchFamily="34" charset="-127"/>
+      <p:regular r:id="rId28"/>
+      <p:bold r:id="rId29"/>
+    </p:embeddedFont>
+    <p:embeddedFont>
       <p:font typeface="Calibri" panose="020F0502020204030204" pitchFamily="34" charset="0"/>
-      <p:regular r:id="rId27"/>
-      <p:bold r:id="rId28"/>
-      <p:italic r:id="rId29"/>
-      <p:boldItalic r:id="rId30"/>
+      <p:regular r:id="rId30"/>
+      <p:bold r:id="rId31"/>
+      <p:italic r:id="rId32"/>
+      <p:boldItalic r:id="rId33"/>
     </p:embeddedFont>
     <p:embeddedFont>
       <p:font typeface="Calibri Light" panose="020F0302020204030204" pitchFamily="34" charset="0"/>
-      <p:regular r:id="rId31"/>
-      <p:italic r:id="rId32"/>
+      <p:regular r:id="rId34"/>
+      <p:italic r:id="rId35"/>
     </p:embeddedFont>
     <p:embeddedFont>
-      <p:font typeface="Microsoft GothicNeo" panose="020B0500000101010101" pitchFamily="50" charset="-127"/>
-      <p:regular r:id="rId33"/>
-      <p:bold r:id="rId34"/>
-    </p:embeddedFont>
-    <p:embeddedFont>
-      <p:font typeface="맑은 고딕" panose="020B0503020000020004" pitchFamily="50" charset="-127"/>
-      <p:regular r:id="rId35"/>
-      <p:bold r:id="rId36"/>
+      <p:font typeface="Microsoft GothicNeo" panose="020B0604020202020204" pitchFamily="34" charset="0"/>
+      <p:regular r:id="rId36"/>
+      <p:bold r:id="rId37"/>
     </p:embeddedFont>
   </p:embeddedFontLst>
   <p:defaultTextStyle>
@@ -986,6 +987,236 @@
     </pc:docChg>
   </pc:docChgLst>
   <pc:docChgLst>
+    <pc:chgData name="To ToMo" userId="968912c02e5a0a7f" providerId="LiveId" clId="{EA17B299-DF08-FE4A-84DE-6BBD883907A6}"/>
+    <pc:docChg chg="undo custSel addSld delSld modSld sldOrd">
+      <pc:chgData name="To ToMo" userId="968912c02e5a0a7f" providerId="LiveId" clId="{EA17B299-DF08-FE4A-84DE-6BBD883907A6}" dt="2020-02-17T05:29:57.382" v="892" actId="170"/>
+      <pc:docMkLst>
+        <pc:docMk/>
+      </pc:docMkLst>
+      <pc:sldChg chg="modSp">
+        <pc:chgData name="To ToMo" userId="968912c02e5a0a7f" providerId="LiveId" clId="{EA17B299-DF08-FE4A-84DE-6BBD883907A6}" dt="2020-02-17T05:20:07.780" v="278" actId="1036"/>
+        <pc:sldMkLst>
+          <pc:docMk/>
+          <pc:sldMk cId="2868819207" sldId="258"/>
+        </pc:sldMkLst>
+        <pc:spChg chg="mod ord">
+          <ac:chgData name="To ToMo" userId="968912c02e5a0a7f" providerId="LiveId" clId="{EA17B299-DF08-FE4A-84DE-6BBD883907A6}" dt="2020-02-17T05:19:51.893" v="267" actId="1076"/>
+          <ac:spMkLst>
+            <pc:docMk/>
+            <pc:sldMk cId="2868819207" sldId="258"/>
+            <ac:spMk id="3" creationId="{7FADAADE-7DD8-4954-B02B-4C8B99BDA4EF}"/>
+          </ac:spMkLst>
+        </pc:spChg>
+        <pc:spChg chg="mod ord">
+          <ac:chgData name="To ToMo" userId="968912c02e5a0a7f" providerId="LiveId" clId="{EA17B299-DF08-FE4A-84DE-6BBD883907A6}" dt="2020-02-17T05:19:59.751" v="276" actId="1036"/>
+          <ac:spMkLst>
+            <pc:docMk/>
+            <pc:sldMk cId="2868819207" sldId="258"/>
+            <ac:spMk id="11" creationId="{F4FA4442-9D34-4814-B62A-B6F9EA4E2356}"/>
+          </ac:spMkLst>
+        </pc:spChg>
+        <pc:spChg chg="mod ord">
+          <ac:chgData name="To ToMo" userId="968912c02e5a0a7f" providerId="LiveId" clId="{EA17B299-DF08-FE4A-84DE-6BBD883907A6}" dt="2020-02-17T05:20:07.780" v="278" actId="1036"/>
+          <ac:spMkLst>
+            <pc:docMk/>
+            <pc:sldMk cId="2868819207" sldId="258"/>
+            <ac:spMk id="33" creationId="{41D4DCFF-7E27-48F3-B785-C54A6B07769A}"/>
+          </ac:spMkLst>
+        </pc:spChg>
+      </pc:sldChg>
+      <pc:sldChg chg="modSp">
+        <pc:chgData name="To ToMo" userId="968912c02e5a0a7f" providerId="LiveId" clId="{EA17B299-DF08-FE4A-84DE-6BBD883907A6}" dt="2020-02-17T05:16:31.889" v="258" actId="20577"/>
+        <pc:sldMkLst>
+          <pc:docMk/>
+          <pc:sldMk cId="1053336317" sldId="279"/>
+        </pc:sldMkLst>
+        <pc:spChg chg="mod">
+          <ac:chgData name="To ToMo" userId="968912c02e5a0a7f" providerId="LiveId" clId="{EA17B299-DF08-FE4A-84DE-6BBD883907A6}" dt="2020-02-17T05:16:31.889" v="258" actId="20577"/>
+          <ac:spMkLst>
+            <pc:docMk/>
+            <pc:sldMk cId="1053336317" sldId="279"/>
+            <ac:spMk id="10" creationId="{F6CD5836-79AA-4570-8C73-B58138823F87}"/>
+          </ac:spMkLst>
+        </pc:spChg>
+      </pc:sldChg>
+      <pc:sldChg chg="modSp">
+        <pc:chgData name="To ToMo" userId="968912c02e5a0a7f" providerId="LiveId" clId="{EA17B299-DF08-FE4A-84DE-6BBD883907A6}" dt="2020-02-17T05:21:59.562" v="320" actId="167"/>
+        <pc:sldMkLst>
+          <pc:docMk/>
+          <pc:sldMk cId="1663471405" sldId="286"/>
+        </pc:sldMkLst>
+        <pc:spChg chg="mod ord">
+          <ac:chgData name="To ToMo" userId="968912c02e5a0a7f" providerId="LiveId" clId="{EA17B299-DF08-FE4A-84DE-6BBD883907A6}" dt="2020-02-17T05:21:46.762" v="296" actId="167"/>
+          <ac:spMkLst>
+            <pc:docMk/>
+            <pc:sldMk cId="1663471405" sldId="286"/>
+            <ac:spMk id="14" creationId="{352A8D1B-8477-4AB4-8F8B-2FB01D8FAC1E}"/>
+          </ac:spMkLst>
+        </pc:spChg>
+        <pc:spChg chg="mod ord">
+          <ac:chgData name="To ToMo" userId="968912c02e5a0a7f" providerId="LiveId" clId="{EA17B299-DF08-FE4A-84DE-6BBD883907A6}" dt="2020-02-17T05:21:55.908" v="319" actId="167"/>
+          <ac:spMkLst>
+            <pc:docMk/>
+            <pc:sldMk cId="1663471405" sldId="286"/>
+            <ac:spMk id="15" creationId="{7EA73ED5-334C-453B-9D5C-6F627E5565F1}"/>
+          </ac:spMkLst>
+        </pc:spChg>
+        <pc:spChg chg="ord">
+          <ac:chgData name="To ToMo" userId="968912c02e5a0a7f" providerId="LiveId" clId="{EA17B299-DF08-FE4A-84DE-6BBD883907A6}" dt="2020-02-17T05:21:59.562" v="320" actId="167"/>
+          <ac:spMkLst>
+            <pc:docMk/>
+            <pc:sldMk cId="1663471405" sldId="286"/>
+            <ac:spMk id="16" creationId="{9E91394D-47CF-442A-951A-09417EAE218A}"/>
+          </ac:spMkLst>
+        </pc:spChg>
+      </pc:sldChg>
+      <pc:sldChg chg="addSp delSp modSp addAnim delAnim">
+        <pc:chgData name="To ToMo" userId="968912c02e5a0a7f" providerId="LiveId" clId="{EA17B299-DF08-FE4A-84DE-6BBD883907A6}" dt="2020-02-17T05:28:03.675" v="876" actId="27696"/>
+        <pc:sldMkLst>
+          <pc:docMk/>
+          <pc:sldMk cId="2371213728" sldId="289"/>
+        </pc:sldMkLst>
+        <pc:spChg chg="add del mod topLvl">
+          <ac:chgData name="To ToMo" userId="968912c02e5a0a7f" providerId="LiveId" clId="{EA17B299-DF08-FE4A-84DE-6BBD883907A6}" dt="2020-02-17T05:26:32.233" v="814" actId="478"/>
+          <ac:spMkLst>
+            <pc:docMk/>
+            <pc:sldMk cId="2371213728" sldId="289"/>
+            <ac:spMk id="36" creationId="{156E30CC-C879-6F41-AAB4-046952B3248B}"/>
+          </ac:spMkLst>
+        </pc:spChg>
+        <pc:spChg chg="add del mod topLvl">
+          <ac:chgData name="To ToMo" userId="968912c02e5a0a7f" providerId="LiveId" clId="{EA17B299-DF08-FE4A-84DE-6BBD883907A6}" dt="2020-02-17T05:26:29.680" v="813" actId="478"/>
+          <ac:spMkLst>
+            <pc:docMk/>
+            <pc:sldMk cId="2371213728" sldId="289"/>
+            <ac:spMk id="37" creationId="{BEEB659A-6A48-494C-AF7B-F9A99809A18D}"/>
+          </ac:spMkLst>
+        </pc:spChg>
+        <pc:spChg chg="add mod">
+          <ac:chgData name="To ToMo" userId="968912c02e5a0a7f" providerId="LiveId" clId="{EA17B299-DF08-FE4A-84DE-6BBD883907A6}" dt="2020-02-17T05:28:00.791" v="875" actId="1035"/>
+          <ac:spMkLst>
+            <pc:docMk/>
+            <pc:sldMk cId="2371213728" sldId="289"/>
+            <ac:spMk id="38" creationId="{8BE46F53-4E3C-8F43-929F-06B6D37CBDE6}"/>
+          </ac:spMkLst>
+        </pc:spChg>
+        <pc:grpChg chg="add del mod">
+          <ac:chgData name="To ToMo" userId="968912c02e5a0a7f" providerId="LiveId" clId="{EA17B299-DF08-FE4A-84DE-6BBD883907A6}" dt="2020-02-17T05:23:13.145" v="348" actId="478"/>
+          <ac:grpSpMkLst>
+            <pc:docMk/>
+            <pc:sldMk cId="2371213728" sldId="289"/>
+            <ac:grpSpMk id="3" creationId="{640AD427-02D8-5443-A630-82A317DF594F}"/>
+          </ac:grpSpMkLst>
+        </pc:grpChg>
+        <pc:grpChg chg="add del mod">
+          <ac:chgData name="To ToMo" userId="968912c02e5a0a7f" providerId="LiveId" clId="{EA17B299-DF08-FE4A-84DE-6BBD883907A6}" dt="2020-02-17T05:25:42.251" v="800" actId="165"/>
+          <ac:grpSpMkLst>
+            <pc:docMk/>
+            <pc:sldMk cId="2371213728" sldId="289"/>
+            <ac:grpSpMk id="8" creationId="{AEB6B982-B726-8F40-ADE8-C21AD9F561F8}"/>
+          </ac:grpSpMkLst>
+        </pc:grpChg>
+        <pc:grpChg chg="add del">
+          <ac:chgData name="To ToMo" userId="968912c02e5a0a7f" providerId="LiveId" clId="{EA17B299-DF08-FE4A-84DE-6BBD883907A6}" dt="2020-02-17T05:26:09.427" v="809"/>
+          <ac:grpSpMkLst>
+            <pc:docMk/>
+            <pc:sldMk cId="2371213728" sldId="289"/>
+            <ac:grpSpMk id="9" creationId="{2670D7DD-9D85-0C44-B699-3DC033976AF2}"/>
+          </ac:grpSpMkLst>
+        </pc:grpChg>
+      </pc:sldChg>
+      <pc:sldChg chg="modSp">
+        <pc:chgData name="To ToMo" userId="968912c02e5a0a7f" providerId="LiveId" clId="{EA17B299-DF08-FE4A-84DE-6BBD883907A6}" dt="2020-02-17T05:29:57.382" v="892" actId="170"/>
+        <pc:sldMkLst>
+          <pc:docMk/>
+          <pc:sldMk cId="3216660683" sldId="292"/>
+        </pc:sldMkLst>
+        <pc:spChg chg="mod ord">
+          <ac:chgData name="To ToMo" userId="968912c02e5a0a7f" providerId="LiveId" clId="{EA17B299-DF08-FE4A-84DE-6BBD883907A6}" dt="2020-02-17T05:29:57.382" v="892" actId="170"/>
+          <ac:spMkLst>
+            <pc:docMk/>
+            <pc:sldMk cId="3216660683" sldId="292"/>
+            <ac:spMk id="14" creationId="{352A8D1B-8477-4AB4-8F8B-2FB01D8FAC1E}"/>
+          </ac:spMkLst>
+        </pc:spChg>
+        <pc:spChg chg="mod ord">
+          <ac:chgData name="To ToMo" userId="968912c02e5a0a7f" providerId="LiveId" clId="{EA17B299-DF08-FE4A-84DE-6BBD883907A6}" dt="2020-02-17T05:29:55.706" v="891" actId="1036"/>
+          <ac:spMkLst>
+            <pc:docMk/>
+            <pc:sldMk cId="3216660683" sldId="292"/>
+            <ac:spMk id="16" creationId="{9E91394D-47CF-442A-951A-09417EAE218A}"/>
+          </ac:spMkLst>
+        </pc:spChg>
+      </pc:sldChg>
+      <pc:sldChg chg="addSp delSp modSp addAnim delAnim">
+        <pc:chgData name="To ToMo" userId="968912c02e5a0a7f" providerId="LiveId" clId="{EA17B299-DF08-FE4A-84DE-6BBD883907A6}" dt="2020-02-17T05:13:46.810" v="48" actId="27704"/>
+        <pc:sldMkLst>
+          <pc:docMk/>
+          <pc:sldMk cId="1739650710" sldId="293"/>
+        </pc:sldMkLst>
+        <pc:picChg chg="add del mod">
+          <ac:chgData name="To ToMo" userId="968912c02e5a0a7f" providerId="LiveId" clId="{EA17B299-DF08-FE4A-84DE-6BBD883907A6}" dt="2020-02-17T05:13:40.138" v="47" actId="21"/>
+          <ac:picMkLst>
+            <pc:docMk/>
+            <pc:sldMk cId="1739650710" sldId="293"/>
+            <ac:picMk id="3" creationId="{1965E831-CC2B-414B-A5DE-AE5D2B8B3A38}"/>
+          </ac:picMkLst>
+        </pc:picChg>
+      </pc:sldChg>
+      <pc:sldChg chg="addAnim delAnim">
+        <pc:chgData name="To ToMo" userId="968912c02e5a0a7f" providerId="LiveId" clId="{EA17B299-DF08-FE4A-84DE-6BBD883907A6}" dt="2020-02-17T05:20:34.463" v="280" actId="27704"/>
+        <pc:sldMkLst>
+          <pc:docMk/>
+          <pc:sldMk cId="2992454343" sldId="305"/>
+        </pc:sldMkLst>
+      </pc:sldChg>
+      <pc:sldChg chg="addSp delSp modSp add ord">
+        <pc:chgData name="To ToMo" userId="968912c02e5a0a7f" providerId="LiveId" clId="{EA17B299-DF08-FE4A-84DE-6BBD883907A6}" dt="2020-02-17T05:14:21.258" v="57" actId="1076"/>
+        <pc:sldMkLst>
+          <pc:docMk/>
+          <pc:sldMk cId="2127418302" sldId="306"/>
+        </pc:sldMkLst>
+        <pc:spChg chg="del">
+          <ac:chgData name="To ToMo" userId="968912c02e5a0a7f" providerId="LiveId" clId="{EA17B299-DF08-FE4A-84DE-6BBD883907A6}" dt="2020-02-17T05:13:59.794" v="51" actId="478"/>
+          <ac:spMkLst>
+            <pc:docMk/>
+            <pc:sldMk cId="2127418302" sldId="306"/>
+            <ac:spMk id="14" creationId="{352A8D1B-8477-4AB4-8F8B-2FB01D8FAC1E}"/>
+          </ac:spMkLst>
+        </pc:spChg>
+        <pc:picChg chg="add mod">
+          <ac:chgData name="To ToMo" userId="968912c02e5a0a7f" providerId="LiveId" clId="{EA17B299-DF08-FE4A-84DE-6BBD883907A6}" dt="2020-02-17T05:14:21.258" v="57" actId="1076"/>
+          <ac:picMkLst>
+            <pc:docMk/>
+            <pc:sldMk cId="2127418302" sldId="306"/>
+            <ac:picMk id="3" creationId="{A1E04BCF-4032-754C-9A1C-B47E1C0862BB}"/>
+          </ac:picMkLst>
+        </pc:picChg>
+      </pc:sldChg>
+      <pc:sldChg chg="add del">
+        <pc:chgData name="To ToMo" userId="968912c02e5a0a7f" providerId="LiveId" clId="{EA17B299-DF08-FE4A-84DE-6BBD883907A6}" dt="2020-02-17T05:14:07.631" v="53" actId="2696"/>
+        <pc:sldMkLst>
+          <pc:docMk/>
+          <pc:sldMk cId="1867253689" sldId="307"/>
+        </pc:sldMkLst>
+      </pc:sldChg>
+      <pc:sldChg chg="new del">
+        <pc:chgData name="To ToMo" userId="968912c02e5a0a7f" providerId="LiveId" clId="{EA17B299-DF08-FE4A-84DE-6BBD883907A6}" dt="2020-02-17T05:26:44.336" v="818" actId="2696"/>
+        <pc:sldMkLst>
+          <pc:docMk/>
+          <pc:sldMk cId="2457603118" sldId="307"/>
+        </pc:sldMkLst>
+      </pc:sldChg>
+      <pc:sldChg chg="new del">
+        <pc:chgData name="To ToMo" userId="968912c02e5a0a7f" providerId="LiveId" clId="{EA17B299-DF08-FE4A-84DE-6BBD883907A6}" dt="2020-02-17T05:26:42.006" v="816" actId="2696"/>
+        <pc:sldMkLst>
+          <pc:docMk/>
+          <pc:sldMk cId="3756887258" sldId="307"/>
+        </pc:sldMkLst>
+      </pc:sldChg>
+    </pc:docChg>
+  </pc:docChgLst>
+  <pc:docChgLst>
     <pc:chgData name="To ToMo" userId="968912c02e5a0a7f" providerId="LiveId" clId="{0A1C2C37-B8D8-464C-B0FE-422E00A574EC}"/>
     <pc:docChg chg="undo custSel addSld delSld modSld sldOrd">
       <pc:chgData name="To ToMo" userId="968912c02e5a0a7f" providerId="LiveId" clId="{0A1C2C37-B8D8-464C-B0FE-422E00A574EC}" dt="2020-01-21T14:36:03.346" v="2728" actId="20577"/>
@@ -8145,7 +8376,7 @@
           <a:p>
             <a:fld id="{5F9AF786-7707-4A65-B810-F32195AA3030}" type="datetimeFigureOut">
               <a:rPr lang="ko-KR" altLang="en-US" smtClean="0"/>
-              <a:t>2020-02-16</a:t>
+              <a:t>2020. 2. 17.</a:t>
             </a:fld>
             <a:endParaRPr lang="ko-KR" altLang="en-US"/>
           </a:p>
@@ -8549,7 +8780,7 @@
                   </a:prstClr>
                 </a:solidFill>
               </a:rPr>
-              <a:t>2020-02-16</a:t>
+              <a:t>2020. 2. 17.</a:t>
             </a:fld>
             <a:endParaRPr lang="ko-KR" altLang="en-US">
               <a:solidFill>
@@ -8750,7 +8981,7 @@
                   </a:prstClr>
                 </a:solidFill>
               </a:rPr>
-              <a:t>2020-02-16</a:t>
+              <a:t>2020. 2. 17.</a:t>
             </a:fld>
             <a:endParaRPr lang="ko-KR" altLang="en-US">
               <a:solidFill>
@@ -8961,7 +9192,7 @@
                   </a:prstClr>
                 </a:solidFill>
               </a:rPr>
-              <a:t>2020-02-16</a:t>
+              <a:t>2020. 2. 17.</a:t>
             </a:fld>
             <a:endParaRPr lang="ko-KR" altLang="en-US">
               <a:solidFill>
@@ -9162,7 +9393,7 @@
                   </a:prstClr>
                 </a:solidFill>
               </a:rPr>
-              <a:t>2020-02-16</a:t>
+              <a:t>2020. 2. 17.</a:t>
             </a:fld>
             <a:endParaRPr lang="ko-KR" altLang="en-US">
               <a:solidFill>
@@ -9437,7 +9668,7 @@
                   </a:prstClr>
                 </a:solidFill>
               </a:rPr>
-              <a:t>2020-02-16</a:t>
+              <a:t>2020. 2. 17.</a:t>
             </a:fld>
             <a:endParaRPr lang="ko-KR" altLang="en-US">
               <a:solidFill>
@@ -9700,7 +9931,7 @@
                   </a:prstClr>
                 </a:solidFill>
               </a:rPr>
-              <a:t>2020-02-16</a:t>
+              <a:t>2020. 2. 17.</a:t>
             </a:fld>
             <a:endParaRPr lang="ko-KR" altLang="en-US">
               <a:solidFill>
@@ -10098,7 +10329,7 @@
                   </a:prstClr>
                 </a:solidFill>
               </a:rPr>
-              <a:t>2020-02-16</a:t>
+              <a:t>2020. 2. 17.</a:t>
             </a:fld>
             <a:endParaRPr lang="ko-KR" altLang="en-US">
               <a:solidFill>
@@ -10247,7 +10478,7 @@
                   </a:prstClr>
                 </a:solidFill>
               </a:rPr>
-              <a:t>2020-02-16</a:t>
+              <a:t>2020. 2. 17.</a:t>
             </a:fld>
             <a:endParaRPr lang="ko-KR" altLang="en-US">
               <a:solidFill>
@@ -10373,7 +10604,7 @@
                   </a:prstClr>
                 </a:solidFill>
               </a:rPr>
-              <a:t>2020-02-16</a:t>
+              <a:t>2020. 2. 17.</a:t>
             </a:fld>
             <a:endParaRPr lang="ko-KR" altLang="en-US">
               <a:solidFill>
@@ -10681,7 +10912,7 @@
                   </a:prstClr>
                 </a:solidFill>
               </a:rPr>
-              <a:t>2020-02-16</a:t>
+              <a:t>2020. 2. 17.</a:t>
             </a:fld>
             <a:endParaRPr lang="ko-KR" altLang="en-US">
               <a:solidFill>
@@ -10969,7 +11200,7 @@
                   </a:prstClr>
                 </a:solidFill>
               </a:rPr>
-              <a:t>2020-02-16</a:t>
+              <a:t>2020. 2. 17.</a:t>
             </a:fld>
             <a:endParaRPr lang="ko-KR" altLang="en-US">
               <a:solidFill>
@@ -11213,7 +11444,7 @@
                   </a:prstClr>
                 </a:solidFill>
               </a:rPr>
-              <a:t>2020-02-16</a:t>
+              <a:t>2020. 2. 17.</a:t>
             </a:fld>
             <a:endParaRPr lang="ko-KR" altLang="en-US">
               <a:solidFill>
@@ -13862,6 +14093,107 @@
           </a:p>
         </p:txBody>
       </p:sp>
+      <p:sp>
+        <p:nvSpPr>
+          <p:cNvPr id="38" name="TextBox 37">
+            <a:extLst>
+              <a:ext uri="{FF2B5EF4-FFF2-40B4-BE49-F238E27FC236}">
+                <a16:creationId xmlns:a16="http://schemas.microsoft.com/office/drawing/2014/main" id="{8BE46F53-4E3C-8F43-929F-06B6D37CBDE6}"/>
+              </a:ext>
+            </a:extLst>
+          </p:cNvPr>
+          <p:cNvSpPr txBox="1"/>
+          <p:nvPr/>
+        </p:nvSpPr>
+        <p:spPr>
+          <a:xfrm>
+            <a:off x="637005" y="5195360"/>
+            <a:ext cx="7770224" cy="1220270"/>
+          </a:xfrm>
+          <a:prstGeom prst="rect">
+            <a:avLst/>
+          </a:prstGeom>
+          <a:noFill/>
+        </p:spPr>
+        <p:txBody>
+          <a:bodyPr wrap="square">
+            <a:spAutoFit/>
+          </a:bodyPr>
+          <a:lstStyle/>
+          <a:p>
+            <a:pPr algn="just">
+              <a:lnSpc>
+                <a:spcPct val="150000"/>
+              </a:lnSpc>
+            </a:pPr>
+            <a:r>
+              <a:rPr lang="ko-KR" altLang="en-US" sz="2600" b="1" dirty="0">
+                <a:solidFill>
+                  <a:schemeClr val="tx1">
+                    <a:lumMod val="75000"/>
+                    <a:lumOff val="25000"/>
+                  </a:schemeClr>
+                </a:solidFill>
+                <a:latin typeface="Microsoft GothicNeo" panose="020B0604020202020204" pitchFamily="34" charset="0"/>
+                <a:cs typeface="Microsoft GothicNeo" panose="020B0604020202020204" pitchFamily="34" charset="0"/>
+              </a:rPr>
+              <a:t>필드에서 해당되는 단어를 찾으며</a:t>
+            </a:r>
+            <a:r>
+              <a:rPr lang="en-US" altLang="ko-KR" sz="2600" b="1" dirty="0">
+                <a:solidFill>
+                  <a:schemeClr val="tx1">
+                    <a:lumMod val="75000"/>
+                    <a:lumOff val="25000"/>
+                  </a:schemeClr>
+                </a:solidFill>
+                <a:latin typeface="Microsoft GothicNeo" panose="020B0604020202020204" pitchFamily="34" charset="0"/>
+                <a:cs typeface="Microsoft GothicNeo" panose="020B0604020202020204" pitchFamily="34" charset="0"/>
+              </a:rPr>
+              <a:t>,</a:t>
+            </a:r>
+            <a:r>
+              <a:rPr lang="ko-KR" altLang="en-US" sz="2600" b="1" dirty="0">
+                <a:solidFill>
+                  <a:schemeClr val="tx1">
+                    <a:lumMod val="75000"/>
+                    <a:lumOff val="25000"/>
+                  </a:schemeClr>
+                </a:solidFill>
+                <a:latin typeface="Microsoft GothicNeo" panose="020B0604020202020204" pitchFamily="34" charset="0"/>
+                <a:cs typeface="Microsoft GothicNeo" panose="020B0604020202020204" pitchFamily="34" charset="0"/>
+              </a:rPr>
+              <a:t> 모든 </a:t>
+            </a:r>
+            <a:r>
+              <a:rPr lang="ko-KR" altLang="en-US" sz="2600" b="1" dirty="0" err="1">
+                <a:solidFill>
+                  <a:schemeClr val="tx1">
+                    <a:lumMod val="75000"/>
+                    <a:lumOff val="25000"/>
+                  </a:schemeClr>
+                </a:solidFill>
+                <a:latin typeface="Microsoft GothicNeo" panose="020B0604020202020204" pitchFamily="34" charset="0"/>
+                <a:cs typeface="Microsoft GothicNeo" panose="020B0604020202020204" pitchFamily="34" charset="0"/>
+              </a:rPr>
+              <a:t>행들을</a:t>
+            </a:r>
+            <a:r>
+              <a:rPr lang="ko-KR" altLang="en-US" sz="2600" b="1" dirty="0">
+                <a:solidFill>
+                  <a:schemeClr val="tx1">
+                    <a:lumMod val="75000"/>
+                    <a:lumOff val="25000"/>
+                  </a:schemeClr>
+                </a:solidFill>
+                <a:latin typeface="Microsoft GothicNeo" panose="020B0604020202020204" pitchFamily="34" charset="0"/>
+                <a:cs typeface="Microsoft GothicNeo" panose="020B0604020202020204" pitchFamily="34" charset="0"/>
+              </a:rPr>
+              <a:t> 하나씩 비교해가므로 다량의 문서에 대해 느림</a:t>
+            </a:r>
+          </a:p>
+        </p:txBody>
+      </p:sp>
     </p:spTree>
     <p:extLst>
       <p:ext uri="{BB962C8B-B14F-4D97-AF65-F5344CB8AC3E}">
@@ -14294,6 +14626,96 @@
                       </p:childTnLst>
                     </p:cTn>
                   </p:par>
+                  <p:par>
+                    <p:cTn id="40" fill="hold">
+                      <p:stCondLst>
+                        <p:cond delay="indefinite"/>
+                      </p:stCondLst>
+                      <p:childTnLst>
+                        <p:par>
+                          <p:cTn id="41" fill="hold">
+                            <p:stCondLst>
+                              <p:cond delay="0"/>
+                            </p:stCondLst>
+                            <p:childTnLst>
+                              <p:par>
+                                <p:cTn id="42" presetID="1" presetClass="exit" presetSubtype="0" fill="hold" nodeType="clickEffect">
+                                  <p:stCondLst>
+                                    <p:cond delay="0"/>
+                                  </p:stCondLst>
+                                  <p:childTnLst>
+                                    <p:set>
+                                      <p:cBhvr>
+                                        <p:cTn id="43" dur="1" fill="hold">
+                                          <p:stCondLst>
+                                            <p:cond delay="0"/>
+                                          </p:stCondLst>
+                                        </p:cTn>
+                                        <p:tgtEl>
+                                          <p:spTgt spid="5"/>
+                                        </p:tgtEl>
+                                        <p:attrNameLst>
+                                          <p:attrName>style.visibility</p:attrName>
+                                        </p:attrNameLst>
+                                      </p:cBhvr>
+                                      <p:to>
+                                        <p:strVal val="hidden"/>
+                                      </p:to>
+                                    </p:set>
+                                  </p:childTnLst>
+                                </p:cTn>
+                              </p:par>
+                            </p:childTnLst>
+                          </p:cTn>
+                        </p:par>
+                      </p:childTnLst>
+                    </p:cTn>
+                  </p:par>
+                  <p:par>
+                    <p:cTn id="44" fill="hold">
+                      <p:stCondLst>
+                        <p:cond delay="indefinite"/>
+                      </p:stCondLst>
+                      <p:childTnLst>
+                        <p:par>
+                          <p:cTn id="45" fill="hold">
+                            <p:stCondLst>
+                              <p:cond delay="0"/>
+                            </p:stCondLst>
+                            <p:childTnLst>
+                              <p:par>
+                                <p:cTn id="46" presetID="1" presetClass="entr" presetSubtype="0" fill="hold" grpId="0" nodeType="clickEffect">
+                                  <p:stCondLst>
+                                    <p:cond delay="0"/>
+                                  </p:stCondLst>
+                                  <p:childTnLst>
+                                    <p:set>
+                                      <p:cBhvr>
+                                        <p:cTn id="47" dur="1" fill="hold">
+                                          <p:stCondLst>
+                                            <p:cond delay="0"/>
+                                          </p:stCondLst>
+                                        </p:cTn>
+                                        <p:tgtEl>
+                                          <p:spTgt spid="38"/>
+                                        </p:tgtEl>
+                                        <p:attrNameLst>
+                                          <p:attrName>style.visibility</p:attrName>
+                                        </p:attrNameLst>
+                                      </p:cBhvr>
+                                      <p:to>
+                                        <p:strVal val="visible"/>
+                                      </p:to>
+                                    </p:set>
+                                  </p:childTnLst>
+                                </p:cTn>
+                              </p:par>
+                            </p:childTnLst>
+                          </p:cTn>
+                        </p:par>
+                      </p:childTnLst>
+                    </p:cTn>
+                  </p:par>
                 </p:childTnLst>
               </p:cTn>
               <p:prevCondLst>
@@ -14325,6 +14747,7 @@
       <p:bldP spid="29" grpId="0" animBg="1"/>
       <p:bldP spid="30" grpId="0" animBg="1"/>
       <p:bldP spid="31" grpId="0" animBg="1"/>
+      <p:bldP spid="38" grpId="0"/>
     </p:bldLst>
   </p:timing>
 </p:sld>
@@ -16016,6 +16439,117 @@
           <a:chExt cx="0" cy="0"/>
         </a:xfrm>
       </p:grpSpPr>
+      <p:sp>
+        <p:nvSpPr>
+          <p:cNvPr id="16" name="직사각형 15">
+            <a:extLst>
+              <a:ext uri="{FF2B5EF4-FFF2-40B4-BE49-F238E27FC236}">
+                <a16:creationId xmlns:a16="http://schemas.microsoft.com/office/drawing/2014/main" id="{9E91394D-47CF-442A-951A-09417EAE218A}"/>
+              </a:ext>
+            </a:extLst>
+          </p:cNvPr>
+          <p:cNvSpPr/>
+          <p:nvPr/>
+        </p:nvSpPr>
+        <p:spPr>
+          <a:xfrm>
+            <a:off x="4128096" y="2849720"/>
+            <a:ext cx="1661334" cy="410402"/>
+          </a:xfrm>
+          <a:prstGeom prst="rect">
+            <a:avLst/>
+          </a:prstGeom>
+          <a:solidFill>
+            <a:srgbClr val="46ACA1"/>
+          </a:solidFill>
+          <a:ln>
+            <a:noFill/>
+          </a:ln>
+        </p:spPr>
+        <p:style>
+          <a:lnRef idx="1">
+            <a:schemeClr val="accent6"/>
+          </a:lnRef>
+          <a:fillRef idx="3">
+            <a:schemeClr val="accent6"/>
+          </a:fillRef>
+          <a:effectRef idx="2">
+            <a:schemeClr val="accent6"/>
+          </a:effectRef>
+          <a:fontRef idx="minor">
+            <a:schemeClr val="lt1"/>
+          </a:fontRef>
+        </p:style>
+        <p:txBody>
+          <a:bodyPr rtlCol="0" anchor="ctr"/>
+          <a:lstStyle/>
+          <a:p>
+            <a:pPr algn="ctr"/>
+            <a:endParaRPr lang="ko-KR" altLang="en-US"/>
+          </a:p>
+        </p:txBody>
+      </p:sp>
+      <p:sp>
+        <p:nvSpPr>
+          <p:cNvPr id="14" name="TextBox 13">
+            <a:extLst>
+              <a:ext uri="{FF2B5EF4-FFF2-40B4-BE49-F238E27FC236}">
+                <a16:creationId xmlns:a16="http://schemas.microsoft.com/office/drawing/2014/main" id="{352A8D1B-8477-4AB4-8F8B-2FB01D8FAC1E}"/>
+              </a:ext>
+            </a:extLst>
+          </p:cNvPr>
+          <p:cNvSpPr txBox="1"/>
+          <p:nvPr/>
+        </p:nvSpPr>
+        <p:spPr>
+          <a:xfrm>
+            <a:off x="1658286" y="2685117"/>
+            <a:ext cx="5799469" cy="2607380"/>
+          </a:xfrm>
+          <a:prstGeom prst="rect">
+            <a:avLst/>
+          </a:prstGeom>
+          <a:noFill/>
+        </p:spPr>
+        <p:txBody>
+          <a:bodyPr wrap="square" rtlCol="0">
+            <a:spAutoFit/>
+          </a:bodyPr>
+          <a:lstStyle/>
+          <a:p>
+            <a:pPr algn="just">
+              <a:lnSpc>
+                <a:spcPct val="150000"/>
+              </a:lnSpc>
+            </a:pPr>
+            <a:r>
+              <a:rPr lang="en-US" altLang="ko-KR" sz="2800" b="1" dirty="0" err="1"/>
+              <a:t>Elasticsearch</a:t>
+            </a:r>
+            <a:r>
+              <a:rPr lang="ko-KR" altLang="en-US" sz="2800" b="1" dirty="0"/>
+              <a:t>는 </a:t>
+            </a:r>
+            <a:r>
+              <a:rPr lang="ko-KR" altLang="en-US" sz="2800" b="1" dirty="0">
+                <a:solidFill>
+                  <a:schemeClr val="bg1"/>
+                </a:solidFill>
+              </a:rPr>
+              <a:t>문서 기반</a:t>
+            </a:r>
+            <a:r>
+              <a:rPr lang="ko-KR" altLang="en-US" sz="2800" b="1" dirty="0"/>
+              <a:t>으로 되어 있으므로 복합적인 정보를 포함하는 형식의 문서를 있는 그대로 저장할 수 있다</a:t>
+            </a:r>
+            <a:r>
+              <a:rPr lang="en-US" altLang="ko-KR" sz="2800" b="1" dirty="0"/>
+              <a:t>.</a:t>
+            </a:r>
+            <a:endParaRPr lang="ko-KR" altLang="en-US" sz="2800" b="1" dirty="0"/>
+          </a:p>
+        </p:txBody>
+      </p:sp>
       <p:grpSp>
         <p:nvGrpSpPr>
           <p:cNvPr id="4" name="그룹 3">
@@ -16287,125 +16821,6 @@
               </a:rPr>
               <a:t>JSON</a:t>
             </a:r>
-          </a:p>
-        </p:txBody>
-      </p:sp>
-      <p:sp>
-        <p:nvSpPr>
-          <p:cNvPr id="16" name="직사각형 15">
-            <a:extLst>
-              <a:ext uri="{FF2B5EF4-FFF2-40B4-BE49-F238E27FC236}">
-                <a16:creationId xmlns:a16="http://schemas.microsoft.com/office/drawing/2014/main" id="{9E91394D-47CF-442A-951A-09417EAE218A}"/>
-              </a:ext>
-            </a:extLst>
-          </p:cNvPr>
-          <p:cNvSpPr/>
-          <p:nvPr/>
-        </p:nvSpPr>
-        <p:spPr>
-          <a:xfrm>
-            <a:off x="1747204" y="3436620"/>
-            <a:ext cx="1879915" cy="464399"/>
-          </a:xfrm>
-          <a:prstGeom prst="rect">
-            <a:avLst/>
-          </a:prstGeom>
-          <a:solidFill>
-            <a:srgbClr val="46ACA1"/>
-          </a:solidFill>
-          <a:ln>
-            <a:noFill/>
-          </a:ln>
-        </p:spPr>
-        <p:style>
-          <a:lnRef idx="1">
-            <a:schemeClr val="accent6"/>
-          </a:lnRef>
-          <a:fillRef idx="3">
-            <a:schemeClr val="accent6"/>
-          </a:fillRef>
-          <a:effectRef idx="2">
-            <a:schemeClr val="accent6"/>
-          </a:effectRef>
-          <a:fontRef idx="minor">
-            <a:schemeClr val="lt1"/>
-          </a:fontRef>
-        </p:style>
-        <p:txBody>
-          <a:bodyPr rtlCol="0" anchor="ctr"/>
-          <a:lstStyle/>
-          <a:p>
-            <a:pPr algn="ctr"/>
-            <a:endParaRPr lang="ko-KR" altLang="en-US"/>
-          </a:p>
-        </p:txBody>
-      </p:sp>
-      <p:sp>
-        <p:nvSpPr>
-          <p:cNvPr id="14" name="TextBox 13">
-            <a:extLst>
-              <a:ext uri="{FF2B5EF4-FFF2-40B4-BE49-F238E27FC236}">
-                <a16:creationId xmlns:a16="http://schemas.microsoft.com/office/drawing/2014/main" id="{352A8D1B-8477-4AB4-8F8B-2FB01D8FAC1E}"/>
-              </a:ext>
-            </a:extLst>
-          </p:cNvPr>
-          <p:cNvSpPr txBox="1"/>
-          <p:nvPr/>
-        </p:nvSpPr>
-        <p:spPr>
-          <a:xfrm>
-            <a:off x="1658286" y="2685117"/>
-            <a:ext cx="5799469" cy="2607380"/>
-          </a:xfrm>
-          <a:prstGeom prst="rect">
-            <a:avLst/>
-          </a:prstGeom>
-          <a:noFill/>
-        </p:spPr>
-        <p:txBody>
-          <a:bodyPr wrap="square" rtlCol="0">
-            <a:spAutoFit/>
-          </a:bodyPr>
-          <a:lstStyle/>
-          <a:p>
-            <a:pPr algn="just">
-              <a:lnSpc>
-                <a:spcPct val="150000"/>
-              </a:lnSpc>
-            </a:pPr>
-            <a:r>
-              <a:rPr lang="en-US" altLang="ko-KR" sz="2800" b="1" dirty="0"/>
-              <a:t>Elasticsearch</a:t>
-            </a:r>
-            <a:r>
-              <a:rPr lang="ko-KR" altLang="en-US" sz="2800" b="1" dirty="0"/>
-              <a:t> </a:t>
-            </a:r>
-            <a:r>
-              <a:rPr lang="en-US" altLang="ko-KR" sz="2800" b="1" dirty="0"/>
-              <a:t>Key-Value </a:t>
-            </a:r>
-            <a:r>
-              <a:rPr lang="ko-KR" altLang="en-US" sz="2800" b="1" dirty="0"/>
-              <a:t>형식이 아닌 </a:t>
-            </a:r>
-            <a:r>
-              <a:rPr lang="ko-KR" altLang="en-US" sz="2800" b="1" dirty="0">
-                <a:solidFill>
-                  <a:schemeClr val="bg1"/>
-                </a:solidFill>
-              </a:rPr>
-              <a:t>문서 기반</a:t>
-            </a:r>
-            <a:r>
-              <a:rPr lang="ko-KR" altLang="en-US" sz="2800" b="1" dirty="0"/>
-              <a:t>으로 되어 있으므로 복합적인 정보를 포함하는 형식의 문서를 있는 그대로 저장할 수 있다</a:t>
-            </a:r>
-            <a:r>
-              <a:rPr lang="en-US" altLang="ko-KR" sz="2800" b="1" dirty="0"/>
-              <a:t>.</a:t>
-            </a:r>
-            <a:endParaRPr lang="ko-KR" altLang="en-US" sz="2800" b="1" dirty="0"/>
           </a:p>
         </p:txBody>
       </p:sp>
@@ -16878,6 +17293,391 @@
           <a:chExt cx="0" cy="0"/>
         </a:xfrm>
       </p:grpSpPr>
+      <p:grpSp>
+        <p:nvGrpSpPr>
+          <p:cNvPr id="4" name="그룹 3">
+            <a:extLst>
+              <a:ext uri="{FF2B5EF4-FFF2-40B4-BE49-F238E27FC236}">
+                <a16:creationId xmlns:a16="http://schemas.microsoft.com/office/drawing/2014/main" id="{9226BB0B-E4B7-4579-8FB1-8FEEE95085D3}"/>
+              </a:ext>
+            </a:extLst>
+          </p:cNvPr>
+          <p:cNvGrpSpPr/>
+          <p:nvPr/>
+        </p:nvGrpSpPr>
+        <p:grpSpPr>
+          <a:xfrm>
+            <a:off x="91440" y="58724"/>
+            <a:ext cx="8972584" cy="6749968"/>
+            <a:chOff x="91440" y="58724"/>
+            <a:chExt cx="8972584" cy="6749968"/>
+          </a:xfrm>
+        </p:grpSpPr>
+        <p:sp>
+          <p:nvSpPr>
+            <p:cNvPr id="34" name="모서리가 둥근 직사각형 4">
+              <a:extLst>
+                <a:ext uri="{FF2B5EF4-FFF2-40B4-BE49-F238E27FC236}">
+                  <a16:creationId xmlns:a16="http://schemas.microsoft.com/office/drawing/2014/main" id="{55FA5387-E89A-41A7-8E98-71BEB9CFC679}"/>
+                </a:ext>
+              </a:extLst>
+            </p:cNvPr>
+            <p:cNvSpPr/>
+            <p:nvPr/>
+          </p:nvSpPr>
+          <p:spPr>
+            <a:xfrm>
+              <a:off x="182880" y="142662"/>
+              <a:ext cx="8778240" cy="6574809"/>
+            </a:xfrm>
+            <a:prstGeom prst="roundRect">
+              <a:avLst>
+                <a:gd name="adj" fmla="val 3862"/>
+              </a:avLst>
+            </a:prstGeom>
+            <a:noFill/>
+            <a:ln w="38100">
+              <a:solidFill>
+                <a:srgbClr val="46ACA1"/>
+              </a:solidFill>
+            </a:ln>
+          </p:spPr>
+          <p:style>
+            <a:lnRef idx="2">
+              <a:schemeClr val="accent1">
+                <a:shade val="50000"/>
+              </a:schemeClr>
+            </a:lnRef>
+            <a:fillRef idx="1">
+              <a:schemeClr val="accent1"/>
+            </a:fillRef>
+            <a:effectRef idx="0">
+              <a:schemeClr val="accent1"/>
+            </a:effectRef>
+            <a:fontRef idx="minor">
+              <a:schemeClr val="lt1"/>
+            </a:fontRef>
+          </p:style>
+          <p:txBody>
+            <a:bodyPr rtlCol="0" anchor="ctr"/>
+            <a:lstStyle/>
+            <a:p>
+              <a:pPr algn="ctr"/>
+              <a:endParaRPr lang="ko-KR" altLang="en-US" dirty="0">
+                <a:solidFill>
+                  <a:prstClr val="white"/>
+                </a:solidFill>
+              </a:endParaRPr>
+            </a:p>
+          </p:txBody>
+        </p:sp>
+        <p:sp>
+          <p:nvSpPr>
+            <p:cNvPr id="35" name="모서리가 둥근 직사각형 5">
+              <a:extLst>
+                <a:ext uri="{FF2B5EF4-FFF2-40B4-BE49-F238E27FC236}">
+                  <a16:creationId xmlns:a16="http://schemas.microsoft.com/office/drawing/2014/main" id="{E91AD8CB-82DC-4CB5-B20A-2188C485E4C6}"/>
+                </a:ext>
+              </a:extLst>
+            </p:cNvPr>
+            <p:cNvSpPr/>
+            <p:nvPr/>
+          </p:nvSpPr>
+          <p:spPr>
+            <a:xfrm>
+              <a:off x="91440" y="58724"/>
+              <a:ext cx="8972584" cy="6749968"/>
+            </a:xfrm>
+            <a:prstGeom prst="roundRect">
+              <a:avLst>
+                <a:gd name="adj" fmla="val 5051"/>
+              </a:avLst>
+            </a:prstGeom>
+            <a:noFill/>
+            <a:ln w="38100">
+              <a:solidFill>
+                <a:schemeClr val="tx1">
+                  <a:lumMod val="65000"/>
+                  <a:lumOff val="35000"/>
+                </a:schemeClr>
+              </a:solidFill>
+            </a:ln>
+          </p:spPr>
+          <p:style>
+            <a:lnRef idx="2">
+              <a:schemeClr val="accent1">
+                <a:shade val="50000"/>
+              </a:schemeClr>
+            </a:lnRef>
+            <a:fillRef idx="1">
+              <a:schemeClr val="accent1"/>
+            </a:fillRef>
+            <a:effectRef idx="0">
+              <a:schemeClr val="accent1"/>
+            </a:effectRef>
+            <a:fontRef idx="minor">
+              <a:schemeClr val="lt1"/>
+            </a:fontRef>
+          </p:style>
+          <p:txBody>
+            <a:bodyPr rtlCol="0" anchor="ctr"/>
+            <a:lstStyle/>
+            <a:p>
+              <a:pPr algn="ctr"/>
+              <a:endParaRPr lang="ko-KR" altLang="en-US">
+                <a:solidFill>
+                  <a:prstClr val="white"/>
+                </a:solidFill>
+              </a:endParaRPr>
+            </a:p>
+          </p:txBody>
+        </p:sp>
+      </p:grpSp>
+      <p:sp>
+        <p:nvSpPr>
+          <p:cNvPr id="2" name="슬라이드 번호 개체 틀 1">
+            <a:extLst>
+              <a:ext uri="{FF2B5EF4-FFF2-40B4-BE49-F238E27FC236}">
+                <a16:creationId xmlns:a16="http://schemas.microsoft.com/office/drawing/2014/main" id="{29895E2C-1566-493F-9E71-4341842748A6}"/>
+              </a:ext>
+            </a:extLst>
+          </p:cNvPr>
+          <p:cNvSpPr>
+            <a:spLocks noGrp="1"/>
+          </p:cNvSpPr>
+          <p:nvPr>
+            <p:ph type="sldNum" sz="quarter" idx="12"/>
+          </p:nvPr>
+        </p:nvSpPr>
+        <p:spPr/>
+        <p:txBody>
+          <a:bodyPr/>
+          <a:lstStyle/>
+          <a:p>
+            <a:fld id="{339B9C72-21D5-4AB9-87FA-CC4C72A0D342}" type="slidenum">
+              <a:rPr lang="ko-KR" altLang="en-US" smtClean="0">
+                <a:solidFill>
+                  <a:prstClr val="black">
+                    <a:tint val="75000"/>
+                  </a:prstClr>
+                </a:solidFill>
+              </a:rPr>
+              <a:pPr/>
+              <a:t>16</a:t>
+            </a:fld>
+            <a:endParaRPr lang="ko-KR" altLang="en-US">
+              <a:solidFill>
+                <a:prstClr val="black">
+                  <a:tint val="75000"/>
+                </a:prstClr>
+              </a:solidFill>
+            </a:endParaRPr>
+          </a:p>
+        </p:txBody>
+      </p:sp>
+      <p:cxnSp>
+        <p:nvCxnSpPr>
+          <p:cNvPr id="13" name="직선 연결선 12">
+            <a:extLst>
+              <a:ext uri="{FF2B5EF4-FFF2-40B4-BE49-F238E27FC236}">
+                <a16:creationId xmlns:a16="http://schemas.microsoft.com/office/drawing/2014/main" id="{F5162806-D380-4FFD-8316-BD2F29ADDE02}"/>
+              </a:ext>
+            </a:extLst>
+          </p:cNvPr>
+          <p:cNvCxnSpPr>
+            <a:cxnSpLocks/>
+          </p:cNvCxnSpPr>
+          <p:nvPr/>
+        </p:nvCxnSpPr>
+        <p:spPr>
+          <a:xfrm>
+            <a:off x="3506893" y="1137463"/>
+            <a:ext cx="2130213" cy="0"/>
+          </a:xfrm>
+          <a:prstGeom prst="line">
+            <a:avLst/>
+          </a:prstGeom>
+          <a:ln w="22225">
+            <a:solidFill>
+              <a:schemeClr val="tx1">
+                <a:lumMod val="75000"/>
+                <a:lumOff val="25000"/>
+              </a:schemeClr>
+            </a:solidFill>
+            <a:prstDash val="sysDash"/>
+          </a:ln>
+        </p:spPr>
+        <p:style>
+          <a:lnRef idx="1">
+            <a:schemeClr val="accent1"/>
+          </a:lnRef>
+          <a:fillRef idx="0">
+            <a:schemeClr val="accent1"/>
+          </a:fillRef>
+          <a:effectRef idx="0">
+            <a:schemeClr val="accent1"/>
+          </a:effectRef>
+          <a:fontRef idx="minor">
+            <a:schemeClr val="tx1"/>
+          </a:fontRef>
+        </p:style>
+      </p:cxnSp>
+      <p:sp>
+        <p:nvSpPr>
+          <p:cNvPr id="12" name="직사각형 11">
+            <a:extLst>
+              <a:ext uri="{FF2B5EF4-FFF2-40B4-BE49-F238E27FC236}">
+                <a16:creationId xmlns:a16="http://schemas.microsoft.com/office/drawing/2014/main" id="{901DC1A3-A075-4740-B77B-2AB15971C727}"/>
+              </a:ext>
+            </a:extLst>
+          </p:cNvPr>
+          <p:cNvSpPr/>
+          <p:nvPr/>
+        </p:nvSpPr>
+        <p:spPr>
+          <a:xfrm>
+            <a:off x="3976053" y="348704"/>
+            <a:ext cx="1199367" cy="584775"/>
+          </a:xfrm>
+          <a:prstGeom prst="rect">
+            <a:avLst/>
+          </a:prstGeom>
+        </p:spPr>
+        <p:txBody>
+          <a:bodyPr wrap="none">
+            <a:spAutoFit/>
+          </a:bodyPr>
+          <a:lstStyle/>
+          <a:p>
+            <a:pPr algn="ctr"/>
+            <a:r>
+              <a:rPr lang="en-US" altLang="ko-KR" sz="3200" b="1" dirty="0">
+                <a:solidFill>
+                  <a:prstClr val="black">
+                    <a:lumMod val="75000"/>
+                    <a:lumOff val="25000"/>
+                  </a:prstClr>
+                </a:solidFill>
+                <a:latin typeface="Microsoft GothicNeo" panose="020B0500000101010101" pitchFamily="50" charset="-127"/>
+                <a:ea typeface="Microsoft GothicNeo" panose="020B0500000101010101" pitchFamily="50" charset="-127"/>
+                <a:cs typeface="Microsoft GothicNeo" panose="020B0500000101010101" pitchFamily="50" charset="-127"/>
+              </a:rPr>
+              <a:t>JSON</a:t>
+            </a:r>
+          </a:p>
+        </p:txBody>
+      </p:sp>
+      <p:sp>
+        <p:nvSpPr>
+          <p:cNvPr id="19" name="직사각형 18">
+            <a:extLst>
+              <a:ext uri="{FF2B5EF4-FFF2-40B4-BE49-F238E27FC236}">
+                <a16:creationId xmlns:a16="http://schemas.microsoft.com/office/drawing/2014/main" id="{ED197CC5-3F04-4A64-98F0-D41E1EFFAFC5}"/>
+              </a:ext>
+            </a:extLst>
+          </p:cNvPr>
+          <p:cNvSpPr/>
+          <p:nvPr/>
+        </p:nvSpPr>
+        <p:spPr>
+          <a:xfrm>
+            <a:off x="2918360" y="1284222"/>
+            <a:ext cx="3307317" cy="400110"/>
+          </a:xfrm>
+          <a:prstGeom prst="rect">
+            <a:avLst/>
+          </a:prstGeom>
+        </p:spPr>
+        <p:txBody>
+          <a:bodyPr wrap="none">
+            <a:spAutoFit/>
+          </a:bodyPr>
+          <a:lstStyle/>
+          <a:p>
+            <a:pPr algn="ctr"/>
+            <a:r>
+              <a:rPr lang="en-US" altLang="ko-KR" sz="2000" dirty="0">
+                <a:solidFill>
+                  <a:schemeClr val="tx1">
+                    <a:lumMod val="50000"/>
+                    <a:lumOff val="50000"/>
+                  </a:schemeClr>
+                </a:solidFill>
+                <a:latin typeface="Microsoft GothicNeo" panose="020B0500000101010101" pitchFamily="50" charset="-127"/>
+                <a:ea typeface="Microsoft GothicNeo" panose="020B0500000101010101" pitchFamily="50" charset="-127"/>
+                <a:cs typeface="Microsoft GothicNeo" panose="020B0500000101010101" pitchFamily="50" charset="-127"/>
+              </a:rPr>
+              <a:t>JavaScript Object Notation</a:t>
+            </a:r>
+          </a:p>
+        </p:txBody>
+      </p:sp>
+      <p:pic>
+        <p:nvPicPr>
+          <p:cNvPr id="3" name="그림 4">
+            <a:extLst>
+              <a:ext uri="{FF2B5EF4-FFF2-40B4-BE49-F238E27FC236}">
+                <a16:creationId xmlns:a16="http://schemas.microsoft.com/office/drawing/2014/main" id="{A1E04BCF-4032-754C-9A1C-B47E1C0862BB}"/>
+              </a:ext>
+            </a:extLst>
+          </p:cNvPr>
+          <p:cNvPicPr>
+            <a:picLocks noChangeAspect="1"/>
+          </p:cNvPicPr>
+          <p:nvPr/>
+        </p:nvPicPr>
+        <p:blipFill>
+          <a:blip r:embed="rId2">
+            <a:extLst>
+              <a:ext uri="{28A0092B-C50C-407E-A947-70E740481C1C}">
+                <a14:useLocalDpi xmlns:a14="http://schemas.microsoft.com/office/drawing/2010/main" val="0"/>
+              </a:ext>
+            </a:extLst>
+          </a:blip>
+          <a:stretch>
+            <a:fillRect/>
+          </a:stretch>
+        </p:blipFill>
+        <p:spPr>
+          <a:xfrm>
+            <a:off x="2253978" y="2075039"/>
+            <a:ext cx="4636042" cy="4064000"/>
+          </a:xfrm>
+          <a:prstGeom prst="rect">
+            <a:avLst/>
+          </a:prstGeom>
+        </p:spPr>
+      </p:pic>
+    </p:spTree>
+    <p:extLst>
+      <p:ext uri="{BB962C8B-B14F-4D97-AF65-F5344CB8AC3E}">
+        <p14:creationId xmlns:p14="http://schemas.microsoft.com/office/powerpoint/2010/main" val="2127418302"/>
+      </p:ext>
+    </p:extLst>
+  </p:cSld>
+  <p:clrMapOvr>
+    <a:masterClrMapping/>
+  </p:clrMapOvr>
+</p:sld>
+</file>
+
+<file path=ppt/slides/slide17.xml><?xml version="1.0" encoding="utf-8"?>
+<p:sld xmlns:a="http://schemas.openxmlformats.org/drawingml/2006/main" xmlns:r="http://schemas.openxmlformats.org/officeDocument/2006/relationships" xmlns:p="http://schemas.openxmlformats.org/presentationml/2006/main">
+  <p:cSld>
+    <p:spTree>
+      <p:nvGrpSpPr>
+        <p:cNvPr id="1" name=""/>
+        <p:cNvGrpSpPr/>
+        <p:nvPr/>
+      </p:nvGrpSpPr>
+      <p:grpSpPr>
+        <a:xfrm>
+          <a:off x="0" y="0"/>
+          <a:ext cx="0" cy="0"/>
+          <a:chOff x="0" y="0"/>
+          <a:chExt cx="0" cy="0"/>
+        </a:xfrm>
+      </p:grpSpPr>
       <p:sp>
         <p:nvSpPr>
           <p:cNvPr id="11" name="직사각형 10">
@@ -17157,7 +17957,7 @@
                 </a:solidFill>
               </a:rPr>
               <a:pPr/>
-              <a:t>16</a:t>
+              <a:t>17</a:t>
             </a:fld>
             <a:endParaRPr lang="ko-KR" altLang="en-US" dirty="0">
               <a:solidFill>
@@ -17231,7 +18031,7 @@
         <p:spPr>
           <a:xfrm>
             <a:off x="1658286" y="2685117"/>
-            <a:ext cx="5799469" cy="1314719"/>
+            <a:ext cx="5799469" cy="3253711"/>
           </a:xfrm>
           <a:prstGeom prst="rect">
             <a:avLst/>
@@ -17284,6 +18084,33 @@
             <a:r>
               <a:rPr lang="ko-KR" altLang="en-US" sz="2800" b="1" dirty="0"/>
               <a:t>프로토콜을 통해 처리가 가능합니다</a:t>
+            </a:r>
+            <a:r>
+              <a:rPr lang="en-US" altLang="ko-KR" sz="2800" b="1" dirty="0"/>
+              <a:t>.</a:t>
+            </a:r>
+          </a:p>
+          <a:p>
+            <a:pPr algn="just">
+              <a:lnSpc>
+                <a:spcPct val="150000"/>
+              </a:lnSpc>
+            </a:pPr>
+            <a:r>
+              <a:rPr lang="en-US" altLang="ko-KR" sz="2800" b="1" dirty="0"/>
+              <a:t>HTTP</a:t>
+            </a:r>
+            <a:r>
+              <a:rPr lang="ko-KR" altLang="en-US" sz="2800" b="1" dirty="0"/>
+              <a:t>를 </a:t>
+            </a:r>
+            <a:r>
+              <a:rPr lang="ko-KR" altLang="en-US" sz="2800" b="1" dirty="0" err="1"/>
+              <a:t>이용하므로</a:t>
+            </a:r>
+            <a:r>
+              <a:rPr lang="ko-KR" altLang="en-US" sz="2800" b="1" dirty="0"/>
+              <a:t> 언어와 플랫 폼 에 상관없이 데이터를 관리 할 수 있습니다</a:t>
             </a:r>
             <a:r>
               <a:rPr lang="en-US" altLang="ko-KR" sz="2800" b="1" dirty="0"/>
@@ -17351,7 +18178,7 @@
 </p:sld>
 </file>
 
-<file path=ppt/slides/slide17.xml><?xml version="1.0" encoding="utf-8"?>
+<file path=ppt/slides/slide18.xml><?xml version="1.0" encoding="utf-8"?>
 <p:sld xmlns:a="http://schemas.openxmlformats.org/drawingml/2006/main" xmlns:r="http://schemas.openxmlformats.org/officeDocument/2006/relationships" xmlns:p="http://schemas.openxmlformats.org/presentationml/2006/main">
   <p:cSld>
     <p:bg>
@@ -17621,7 +18448,7 @@
                 </a:solidFill>
               </a:rPr>
               <a:pPr/>
-              <a:t>17</a:t>
+              <a:t>18</a:t>
             </a:fld>
             <a:endParaRPr lang="ko-KR" altLang="en-US">
               <a:solidFill>
@@ -17646,7 +18473,7 @@
 </p:sld>
 </file>
 
-<file path=ppt/slides/slide18.xml><?xml version="1.0" encoding="utf-8"?>
+<file path=ppt/slides/slide19.xml><?xml version="1.0" encoding="utf-8"?>
 <p:sld xmlns:a="http://schemas.openxmlformats.org/drawingml/2006/main" xmlns:r="http://schemas.openxmlformats.org/officeDocument/2006/relationships" xmlns:p="http://schemas.openxmlformats.org/presentationml/2006/main">
   <p:cSld>
     <p:spTree>
@@ -17889,7 +18716,7 @@
                 </a:solidFill>
               </a:rPr>
               <a:pPr/>
-              <a:t>18</a:t>
+              <a:t>19</a:t>
             </a:fld>
             <a:endParaRPr lang="ko-KR" altLang="en-US" dirty="0">
               <a:solidFill>
@@ -20080,7 +20907,1060 @@
 </p:sld>
 </file>
 
-<file path=ppt/slides/slide19.xml><?xml version="1.0" encoding="utf-8"?>
+<file path=ppt/slides/slide2.xml><?xml version="1.0" encoding="utf-8"?>
+<p:sld xmlns:a="http://schemas.openxmlformats.org/drawingml/2006/main" xmlns:r="http://schemas.openxmlformats.org/officeDocument/2006/relationships" xmlns:p="http://schemas.openxmlformats.org/presentationml/2006/main">
+  <p:cSld>
+    <p:spTree>
+      <p:nvGrpSpPr>
+        <p:cNvPr id="1" name=""/>
+        <p:cNvGrpSpPr/>
+        <p:nvPr/>
+      </p:nvGrpSpPr>
+      <p:grpSpPr>
+        <a:xfrm>
+          <a:off x="0" y="0"/>
+          <a:ext cx="0" cy="0"/>
+          <a:chOff x="0" y="0"/>
+          <a:chExt cx="0" cy="0"/>
+        </a:xfrm>
+      </p:grpSpPr>
+      <p:grpSp>
+        <p:nvGrpSpPr>
+          <p:cNvPr id="4" name="그룹 3">
+            <a:extLst>
+              <a:ext uri="{FF2B5EF4-FFF2-40B4-BE49-F238E27FC236}">
+                <a16:creationId xmlns:a16="http://schemas.microsoft.com/office/drawing/2014/main" id="{39944C71-4A14-477B-B880-AFEF56EFA3D4}"/>
+              </a:ext>
+            </a:extLst>
+          </p:cNvPr>
+          <p:cNvGrpSpPr/>
+          <p:nvPr/>
+        </p:nvGrpSpPr>
+        <p:grpSpPr>
+          <a:xfrm>
+            <a:off x="1400951" y="2152265"/>
+            <a:ext cx="2348940" cy="1142989"/>
+            <a:chOff x="2902568" y="1675711"/>
+            <a:chExt cx="2348940" cy="1142989"/>
+          </a:xfrm>
+        </p:grpSpPr>
+        <p:sp>
+          <p:nvSpPr>
+            <p:cNvPr id="12" name="대각선 방향의 모서리가 둥근 사각형 24">
+              <a:extLst>
+                <a:ext uri="{FF2B5EF4-FFF2-40B4-BE49-F238E27FC236}">
+                  <a16:creationId xmlns:a16="http://schemas.microsoft.com/office/drawing/2014/main" id="{1FF59CDF-155A-4528-86E8-41E4C0575758}"/>
+                </a:ext>
+              </a:extLst>
+            </p:cNvPr>
+            <p:cNvSpPr/>
+            <p:nvPr/>
+          </p:nvSpPr>
+          <p:spPr>
+            <a:xfrm flipH="1">
+              <a:off x="2902568" y="1697727"/>
+              <a:ext cx="2348940" cy="1120973"/>
+            </a:xfrm>
+            <a:prstGeom prst="round2DiagRect">
+              <a:avLst>
+                <a:gd name="adj1" fmla="val 23031"/>
+                <a:gd name="adj2" fmla="val 0"/>
+              </a:avLst>
+            </a:prstGeom>
+            <a:solidFill>
+              <a:schemeClr val="bg1"/>
+            </a:solidFill>
+            <a:ln>
+              <a:solidFill>
+                <a:srgbClr val="7CCAC1"/>
+              </a:solidFill>
+            </a:ln>
+          </p:spPr>
+          <p:style>
+            <a:lnRef idx="2">
+              <a:schemeClr val="accent1">
+                <a:shade val="50000"/>
+              </a:schemeClr>
+            </a:lnRef>
+            <a:fillRef idx="1">
+              <a:schemeClr val="accent1"/>
+            </a:fillRef>
+            <a:effectRef idx="0">
+              <a:schemeClr val="accent1"/>
+            </a:effectRef>
+            <a:fontRef idx="minor">
+              <a:schemeClr val="lt1"/>
+            </a:fontRef>
+          </p:style>
+          <p:txBody>
+            <a:bodyPr rtlCol="0" anchor="ctr"/>
+            <a:lstStyle/>
+            <a:p>
+              <a:pPr algn="ctr"/>
+              <a:r>
+                <a:rPr lang="ko-KR" altLang="en-US" sz="2400" b="1" dirty="0">
+                  <a:solidFill>
+                    <a:schemeClr val="tx1">
+                      <a:lumMod val="75000"/>
+                      <a:lumOff val="25000"/>
+                    </a:schemeClr>
+                  </a:solidFill>
+                </a:rPr>
+                <a:t>소개</a:t>
+              </a:r>
+              <a:endParaRPr lang="ko-KR" altLang="en-US" b="1" dirty="0">
+                <a:solidFill>
+                  <a:schemeClr val="tx1">
+                    <a:lumMod val="75000"/>
+                    <a:lumOff val="25000"/>
+                  </a:schemeClr>
+                </a:solidFill>
+              </a:endParaRPr>
+            </a:p>
+          </p:txBody>
+        </p:sp>
+        <p:sp>
+          <p:nvSpPr>
+            <p:cNvPr id="13" name="직각 삼각형 12">
+              <a:extLst>
+                <a:ext uri="{FF2B5EF4-FFF2-40B4-BE49-F238E27FC236}">
+                  <a16:creationId xmlns:a16="http://schemas.microsoft.com/office/drawing/2014/main" id="{7136721C-DE63-4EDC-8C96-6F39695E34DD}"/>
+                </a:ext>
+              </a:extLst>
+            </p:cNvPr>
+            <p:cNvSpPr/>
+            <p:nvPr/>
+          </p:nvSpPr>
+          <p:spPr>
+            <a:xfrm rot="5400000">
+              <a:off x="2902568" y="1697727"/>
+              <a:ext cx="661617" cy="661617"/>
+            </a:xfrm>
+            <a:prstGeom prst="rtTriangle">
+              <a:avLst/>
+            </a:prstGeom>
+            <a:solidFill>
+              <a:srgbClr val="46ACA1"/>
+            </a:solidFill>
+            <a:ln>
+              <a:noFill/>
+            </a:ln>
+          </p:spPr>
+          <p:style>
+            <a:lnRef idx="2">
+              <a:schemeClr val="accent1">
+                <a:shade val="50000"/>
+              </a:schemeClr>
+            </a:lnRef>
+            <a:fillRef idx="1">
+              <a:schemeClr val="accent1"/>
+            </a:fillRef>
+            <a:effectRef idx="0">
+              <a:schemeClr val="accent1"/>
+            </a:effectRef>
+            <a:fontRef idx="minor">
+              <a:schemeClr val="lt1"/>
+            </a:fontRef>
+          </p:style>
+          <p:txBody>
+            <a:bodyPr rtlCol="0" anchor="ctr"/>
+            <a:lstStyle/>
+            <a:p>
+              <a:pPr algn="ctr"/>
+              <a:endParaRPr lang="ko-KR" altLang="en-US">
+                <a:solidFill>
+                  <a:prstClr val="white"/>
+                </a:solidFill>
+              </a:endParaRPr>
+            </a:p>
+          </p:txBody>
+        </p:sp>
+        <p:sp>
+          <p:nvSpPr>
+            <p:cNvPr id="14" name="직사각형 13">
+              <a:extLst>
+                <a:ext uri="{FF2B5EF4-FFF2-40B4-BE49-F238E27FC236}">
+                  <a16:creationId xmlns:a16="http://schemas.microsoft.com/office/drawing/2014/main" id="{3E2D3FFC-7F9D-4E9A-8308-23712667ABA4}"/>
+                </a:ext>
+              </a:extLst>
+            </p:cNvPr>
+            <p:cNvSpPr/>
+            <p:nvPr/>
+          </p:nvSpPr>
+          <p:spPr>
+            <a:xfrm>
+              <a:off x="2918932" y="1675711"/>
+              <a:ext cx="464936" cy="461665"/>
+            </a:xfrm>
+            <a:prstGeom prst="rect">
+              <a:avLst/>
+            </a:prstGeom>
+          </p:spPr>
+          <p:txBody>
+            <a:bodyPr wrap="square">
+              <a:spAutoFit/>
+            </a:bodyPr>
+            <a:lstStyle/>
+            <a:p>
+              <a:r>
+                <a:rPr lang="en-US" altLang="ko-KR" sz="2400" b="1" dirty="0">
+                  <a:solidFill>
+                    <a:prstClr val="white"/>
+                  </a:solidFill>
+                </a:rPr>
+                <a:t>1</a:t>
+              </a:r>
+              <a:r>
+                <a:rPr lang="ko-KR" altLang="en-US" sz="2400" b="1" dirty="0">
+                  <a:solidFill>
+                    <a:prstClr val="white"/>
+                  </a:solidFill>
+                </a:rPr>
+                <a:t> </a:t>
+              </a:r>
+              <a:endParaRPr lang="ko-KR" altLang="en-US" sz="2400" b="1" dirty="0">
+                <a:solidFill>
+                  <a:prstClr val="black"/>
+                </a:solidFill>
+              </a:endParaRPr>
+            </a:p>
+          </p:txBody>
+        </p:sp>
+      </p:grpSp>
+      <p:grpSp>
+        <p:nvGrpSpPr>
+          <p:cNvPr id="47" name="그룹 46">
+            <a:extLst>
+              <a:ext uri="{FF2B5EF4-FFF2-40B4-BE49-F238E27FC236}">
+                <a16:creationId xmlns:a16="http://schemas.microsoft.com/office/drawing/2014/main" id="{96C88AB8-5AD5-4B7D-B141-69A323807AE8}"/>
+              </a:ext>
+            </a:extLst>
+          </p:cNvPr>
+          <p:cNvGrpSpPr/>
+          <p:nvPr/>
+        </p:nvGrpSpPr>
+        <p:grpSpPr>
+          <a:xfrm>
+            <a:off x="5394111" y="2152265"/>
+            <a:ext cx="2348940" cy="1142989"/>
+            <a:chOff x="2902568" y="1675711"/>
+            <a:chExt cx="2348940" cy="1142989"/>
+          </a:xfrm>
+        </p:grpSpPr>
+        <p:sp>
+          <p:nvSpPr>
+            <p:cNvPr id="48" name="대각선 방향의 모서리가 둥근 사각형 24">
+              <a:extLst>
+                <a:ext uri="{FF2B5EF4-FFF2-40B4-BE49-F238E27FC236}">
+                  <a16:creationId xmlns:a16="http://schemas.microsoft.com/office/drawing/2014/main" id="{7048011C-3E7B-471A-9F70-93589D39B43B}"/>
+                </a:ext>
+              </a:extLst>
+            </p:cNvPr>
+            <p:cNvSpPr/>
+            <p:nvPr/>
+          </p:nvSpPr>
+          <p:spPr>
+            <a:xfrm flipH="1">
+              <a:off x="2902568" y="1697727"/>
+              <a:ext cx="2348940" cy="1120973"/>
+            </a:xfrm>
+            <a:prstGeom prst="round2DiagRect">
+              <a:avLst>
+                <a:gd name="adj1" fmla="val 23031"/>
+                <a:gd name="adj2" fmla="val 0"/>
+              </a:avLst>
+            </a:prstGeom>
+            <a:solidFill>
+              <a:schemeClr val="bg1"/>
+            </a:solidFill>
+            <a:ln>
+              <a:solidFill>
+                <a:srgbClr val="7CCAC1"/>
+              </a:solidFill>
+            </a:ln>
+          </p:spPr>
+          <p:style>
+            <a:lnRef idx="2">
+              <a:schemeClr val="accent1">
+                <a:shade val="50000"/>
+              </a:schemeClr>
+            </a:lnRef>
+            <a:fillRef idx="1">
+              <a:schemeClr val="accent1"/>
+            </a:fillRef>
+            <a:effectRef idx="0">
+              <a:schemeClr val="accent1"/>
+            </a:effectRef>
+            <a:fontRef idx="minor">
+              <a:schemeClr val="lt1"/>
+            </a:fontRef>
+          </p:style>
+          <p:txBody>
+            <a:bodyPr rtlCol="0" anchor="ctr"/>
+            <a:lstStyle/>
+            <a:p>
+              <a:pPr algn="ctr"/>
+              <a:r>
+                <a:rPr lang="ko-KR" altLang="en-US" sz="2400" b="1" dirty="0">
+                  <a:solidFill>
+                    <a:schemeClr val="tx1">
+                      <a:lumMod val="75000"/>
+                      <a:lumOff val="25000"/>
+                    </a:schemeClr>
+                  </a:solidFill>
+                </a:rPr>
+                <a:t>특징</a:t>
+              </a:r>
+            </a:p>
+          </p:txBody>
+        </p:sp>
+        <p:sp>
+          <p:nvSpPr>
+            <p:cNvPr id="49" name="직각 삼각형 48">
+              <a:extLst>
+                <a:ext uri="{FF2B5EF4-FFF2-40B4-BE49-F238E27FC236}">
+                  <a16:creationId xmlns:a16="http://schemas.microsoft.com/office/drawing/2014/main" id="{E6F19107-988A-4B08-A531-6A79B51ADD3C}"/>
+                </a:ext>
+              </a:extLst>
+            </p:cNvPr>
+            <p:cNvSpPr/>
+            <p:nvPr/>
+          </p:nvSpPr>
+          <p:spPr>
+            <a:xfrm rot="5400000">
+              <a:off x="2902568" y="1697727"/>
+              <a:ext cx="661617" cy="661617"/>
+            </a:xfrm>
+            <a:prstGeom prst="rtTriangle">
+              <a:avLst/>
+            </a:prstGeom>
+            <a:solidFill>
+              <a:srgbClr val="46ACA1"/>
+            </a:solidFill>
+            <a:ln>
+              <a:noFill/>
+            </a:ln>
+          </p:spPr>
+          <p:style>
+            <a:lnRef idx="2">
+              <a:schemeClr val="accent1">
+                <a:shade val="50000"/>
+              </a:schemeClr>
+            </a:lnRef>
+            <a:fillRef idx="1">
+              <a:schemeClr val="accent1"/>
+            </a:fillRef>
+            <a:effectRef idx="0">
+              <a:schemeClr val="accent1"/>
+            </a:effectRef>
+            <a:fontRef idx="minor">
+              <a:schemeClr val="lt1"/>
+            </a:fontRef>
+          </p:style>
+          <p:txBody>
+            <a:bodyPr rtlCol="0" anchor="ctr"/>
+            <a:lstStyle/>
+            <a:p>
+              <a:pPr algn="ctr"/>
+              <a:endParaRPr lang="ko-KR" altLang="en-US">
+                <a:solidFill>
+                  <a:prstClr val="white"/>
+                </a:solidFill>
+              </a:endParaRPr>
+            </a:p>
+          </p:txBody>
+        </p:sp>
+        <p:sp>
+          <p:nvSpPr>
+            <p:cNvPr id="50" name="직사각형 49">
+              <a:extLst>
+                <a:ext uri="{FF2B5EF4-FFF2-40B4-BE49-F238E27FC236}">
+                  <a16:creationId xmlns:a16="http://schemas.microsoft.com/office/drawing/2014/main" id="{A23FD323-062B-42B9-9935-5B40AE6C1807}"/>
+                </a:ext>
+              </a:extLst>
+            </p:cNvPr>
+            <p:cNvSpPr/>
+            <p:nvPr/>
+          </p:nvSpPr>
+          <p:spPr>
+            <a:xfrm>
+              <a:off x="2918932" y="1675711"/>
+              <a:ext cx="464936" cy="461665"/>
+            </a:xfrm>
+            <a:prstGeom prst="rect">
+              <a:avLst/>
+            </a:prstGeom>
+          </p:spPr>
+          <p:txBody>
+            <a:bodyPr wrap="square">
+              <a:spAutoFit/>
+            </a:bodyPr>
+            <a:lstStyle/>
+            <a:p>
+              <a:r>
+                <a:rPr lang="en-US" altLang="ko-KR" sz="2400" b="1" dirty="0">
+                  <a:solidFill>
+                    <a:prstClr val="white"/>
+                  </a:solidFill>
+                </a:rPr>
+                <a:t>2</a:t>
+              </a:r>
+              <a:endParaRPr lang="ko-KR" altLang="en-US" sz="2400" b="1" dirty="0">
+                <a:solidFill>
+                  <a:prstClr val="black"/>
+                </a:solidFill>
+              </a:endParaRPr>
+            </a:p>
+          </p:txBody>
+        </p:sp>
+      </p:grpSp>
+      <p:grpSp>
+        <p:nvGrpSpPr>
+          <p:cNvPr id="53" name="그룹 52">
+            <a:extLst>
+              <a:ext uri="{FF2B5EF4-FFF2-40B4-BE49-F238E27FC236}">
+                <a16:creationId xmlns:a16="http://schemas.microsoft.com/office/drawing/2014/main" id="{5D19902A-47B4-41B8-B684-243D12F2AFB5}"/>
+              </a:ext>
+            </a:extLst>
+          </p:cNvPr>
+          <p:cNvGrpSpPr/>
+          <p:nvPr/>
+        </p:nvGrpSpPr>
+        <p:grpSpPr>
+          <a:xfrm>
+            <a:off x="1400951" y="3971301"/>
+            <a:ext cx="2348940" cy="1142989"/>
+            <a:chOff x="2902568" y="1675711"/>
+            <a:chExt cx="2348940" cy="1142989"/>
+          </a:xfrm>
+        </p:grpSpPr>
+        <p:sp>
+          <p:nvSpPr>
+            <p:cNvPr id="58" name="대각선 방향의 모서리가 둥근 사각형 24">
+              <a:extLst>
+                <a:ext uri="{FF2B5EF4-FFF2-40B4-BE49-F238E27FC236}">
+                  <a16:creationId xmlns:a16="http://schemas.microsoft.com/office/drawing/2014/main" id="{DA26B2FC-013A-4492-8A6A-EC2C2EDFC049}"/>
+                </a:ext>
+              </a:extLst>
+            </p:cNvPr>
+            <p:cNvSpPr/>
+            <p:nvPr/>
+          </p:nvSpPr>
+          <p:spPr>
+            <a:xfrm flipH="1">
+              <a:off x="2902568" y="1697727"/>
+              <a:ext cx="2348940" cy="1120973"/>
+            </a:xfrm>
+            <a:prstGeom prst="round2DiagRect">
+              <a:avLst>
+                <a:gd name="adj1" fmla="val 23031"/>
+                <a:gd name="adj2" fmla="val 0"/>
+              </a:avLst>
+            </a:prstGeom>
+            <a:solidFill>
+              <a:schemeClr val="bg1"/>
+            </a:solidFill>
+            <a:ln>
+              <a:solidFill>
+                <a:srgbClr val="7CCAC1"/>
+              </a:solidFill>
+            </a:ln>
+          </p:spPr>
+          <p:style>
+            <a:lnRef idx="2">
+              <a:schemeClr val="accent1">
+                <a:shade val="50000"/>
+              </a:schemeClr>
+            </a:lnRef>
+            <a:fillRef idx="1">
+              <a:schemeClr val="accent1"/>
+            </a:fillRef>
+            <a:effectRef idx="0">
+              <a:schemeClr val="accent1"/>
+            </a:effectRef>
+            <a:fontRef idx="minor">
+              <a:schemeClr val="lt1"/>
+            </a:fontRef>
+          </p:style>
+          <p:txBody>
+            <a:bodyPr rtlCol="0" anchor="ctr"/>
+            <a:lstStyle/>
+            <a:p>
+              <a:pPr algn="ctr"/>
+              <a:r>
+                <a:rPr lang="ko-KR" altLang="en-US" sz="2400" b="1" dirty="0">
+                  <a:solidFill>
+                    <a:schemeClr val="tx1">
+                      <a:lumMod val="75000"/>
+                      <a:lumOff val="25000"/>
+                    </a:schemeClr>
+                  </a:solidFill>
+                </a:rPr>
+                <a:t>구조</a:t>
+              </a:r>
+            </a:p>
+          </p:txBody>
+        </p:sp>
+        <p:sp>
+          <p:nvSpPr>
+            <p:cNvPr id="59" name="직각 삼각형 58">
+              <a:extLst>
+                <a:ext uri="{FF2B5EF4-FFF2-40B4-BE49-F238E27FC236}">
+                  <a16:creationId xmlns:a16="http://schemas.microsoft.com/office/drawing/2014/main" id="{9F30084D-06CB-478D-A23B-2E7A6CF00868}"/>
+                </a:ext>
+              </a:extLst>
+            </p:cNvPr>
+            <p:cNvSpPr/>
+            <p:nvPr/>
+          </p:nvSpPr>
+          <p:spPr>
+            <a:xfrm rot="5400000">
+              <a:off x="2902568" y="1697727"/>
+              <a:ext cx="661617" cy="661617"/>
+            </a:xfrm>
+            <a:prstGeom prst="rtTriangle">
+              <a:avLst/>
+            </a:prstGeom>
+            <a:solidFill>
+              <a:srgbClr val="46ACA1"/>
+            </a:solidFill>
+            <a:ln>
+              <a:noFill/>
+            </a:ln>
+          </p:spPr>
+          <p:style>
+            <a:lnRef idx="2">
+              <a:schemeClr val="accent1">
+                <a:shade val="50000"/>
+              </a:schemeClr>
+            </a:lnRef>
+            <a:fillRef idx="1">
+              <a:schemeClr val="accent1"/>
+            </a:fillRef>
+            <a:effectRef idx="0">
+              <a:schemeClr val="accent1"/>
+            </a:effectRef>
+            <a:fontRef idx="minor">
+              <a:schemeClr val="lt1"/>
+            </a:fontRef>
+          </p:style>
+          <p:txBody>
+            <a:bodyPr rtlCol="0" anchor="ctr"/>
+            <a:lstStyle/>
+            <a:p>
+              <a:pPr algn="ctr"/>
+              <a:endParaRPr lang="ko-KR" altLang="en-US">
+                <a:solidFill>
+                  <a:prstClr val="white"/>
+                </a:solidFill>
+              </a:endParaRPr>
+            </a:p>
+          </p:txBody>
+        </p:sp>
+        <p:sp>
+          <p:nvSpPr>
+            <p:cNvPr id="60" name="직사각형 59">
+              <a:extLst>
+                <a:ext uri="{FF2B5EF4-FFF2-40B4-BE49-F238E27FC236}">
+                  <a16:creationId xmlns:a16="http://schemas.microsoft.com/office/drawing/2014/main" id="{42314F41-2BF6-4D51-9554-6FC5B800C14A}"/>
+                </a:ext>
+              </a:extLst>
+            </p:cNvPr>
+            <p:cNvSpPr/>
+            <p:nvPr/>
+          </p:nvSpPr>
+          <p:spPr>
+            <a:xfrm>
+              <a:off x="2918932" y="1675711"/>
+              <a:ext cx="464936" cy="461665"/>
+            </a:xfrm>
+            <a:prstGeom prst="rect">
+              <a:avLst/>
+            </a:prstGeom>
+          </p:spPr>
+          <p:txBody>
+            <a:bodyPr wrap="square">
+              <a:spAutoFit/>
+            </a:bodyPr>
+            <a:lstStyle/>
+            <a:p>
+              <a:r>
+                <a:rPr lang="en-US" altLang="ko-KR" sz="2400" b="1" dirty="0">
+                  <a:solidFill>
+                    <a:prstClr val="white"/>
+                  </a:solidFill>
+                </a:rPr>
+                <a:t>3</a:t>
+              </a:r>
+              <a:endParaRPr lang="ko-KR" altLang="en-US" sz="2400" b="1" dirty="0">
+                <a:solidFill>
+                  <a:prstClr val="black"/>
+                </a:solidFill>
+              </a:endParaRPr>
+            </a:p>
+          </p:txBody>
+        </p:sp>
+      </p:grpSp>
+      <p:grpSp>
+        <p:nvGrpSpPr>
+          <p:cNvPr id="54" name="그룹 53">
+            <a:extLst>
+              <a:ext uri="{FF2B5EF4-FFF2-40B4-BE49-F238E27FC236}">
+                <a16:creationId xmlns:a16="http://schemas.microsoft.com/office/drawing/2014/main" id="{00E40965-9597-4D31-9EAE-BDF9CB3AC917}"/>
+              </a:ext>
+            </a:extLst>
+          </p:cNvPr>
+          <p:cNvGrpSpPr/>
+          <p:nvPr/>
+        </p:nvGrpSpPr>
+        <p:grpSpPr>
+          <a:xfrm>
+            <a:off x="5394111" y="3971301"/>
+            <a:ext cx="2348940" cy="1142989"/>
+            <a:chOff x="2902568" y="1675711"/>
+            <a:chExt cx="2348940" cy="1142989"/>
+          </a:xfrm>
+        </p:grpSpPr>
+        <p:sp>
+          <p:nvSpPr>
+            <p:cNvPr id="55" name="대각선 방향의 모서리가 둥근 사각형 24">
+              <a:extLst>
+                <a:ext uri="{FF2B5EF4-FFF2-40B4-BE49-F238E27FC236}">
+                  <a16:creationId xmlns:a16="http://schemas.microsoft.com/office/drawing/2014/main" id="{F9D0291C-40C3-4F47-8AA6-59C6C5FA9ABB}"/>
+                </a:ext>
+              </a:extLst>
+            </p:cNvPr>
+            <p:cNvSpPr/>
+            <p:nvPr/>
+          </p:nvSpPr>
+          <p:spPr>
+            <a:xfrm flipH="1">
+              <a:off x="2902568" y="1697727"/>
+              <a:ext cx="2348940" cy="1120973"/>
+            </a:xfrm>
+            <a:prstGeom prst="round2DiagRect">
+              <a:avLst>
+                <a:gd name="adj1" fmla="val 23031"/>
+                <a:gd name="adj2" fmla="val 0"/>
+              </a:avLst>
+            </a:prstGeom>
+            <a:solidFill>
+              <a:schemeClr val="bg1"/>
+            </a:solidFill>
+            <a:ln>
+              <a:solidFill>
+                <a:srgbClr val="7CCAC1"/>
+              </a:solidFill>
+            </a:ln>
+          </p:spPr>
+          <p:style>
+            <a:lnRef idx="2">
+              <a:schemeClr val="accent1">
+                <a:shade val="50000"/>
+              </a:schemeClr>
+            </a:lnRef>
+            <a:fillRef idx="1">
+              <a:schemeClr val="accent1"/>
+            </a:fillRef>
+            <a:effectRef idx="0">
+              <a:schemeClr val="accent1"/>
+            </a:effectRef>
+            <a:fontRef idx="minor">
+              <a:schemeClr val="lt1"/>
+            </a:fontRef>
+          </p:style>
+          <p:txBody>
+            <a:bodyPr rtlCol="0" anchor="ctr"/>
+            <a:lstStyle/>
+            <a:p>
+              <a:pPr algn="ctr"/>
+              <a:r>
+                <a:rPr lang="ko-KR" altLang="en-US" sz="2400" b="1" dirty="0">
+                  <a:solidFill>
+                    <a:schemeClr val="tx1">
+                      <a:lumMod val="75000"/>
+                      <a:lumOff val="25000"/>
+                    </a:schemeClr>
+                  </a:solidFill>
+                </a:rPr>
+                <a:t>예제</a:t>
+              </a:r>
+            </a:p>
+          </p:txBody>
+        </p:sp>
+        <p:sp>
+          <p:nvSpPr>
+            <p:cNvPr id="56" name="직각 삼각형 55">
+              <a:extLst>
+                <a:ext uri="{FF2B5EF4-FFF2-40B4-BE49-F238E27FC236}">
+                  <a16:creationId xmlns:a16="http://schemas.microsoft.com/office/drawing/2014/main" id="{A7DD8194-D38F-440C-BDE8-2E1AB1C547FF}"/>
+                </a:ext>
+              </a:extLst>
+            </p:cNvPr>
+            <p:cNvSpPr/>
+            <p:nvPr/>
+          </p:nvSpPr>
+          <p:spPr>
+            <a:xfrm rot="5400000">
+              <a:off x="2902568" y="1697727"/>
+              <a:ext cx="661617" cy="661617"/>
+            </a:xfrm>
+            <a:prstGeom prst="rtTriangle">
+              <a:avLst/>
+            </a:prstGeom>
+            <a:solidFill>
+              <a:srgbClr val="46ACA1"/>
+            </a:solidFill>
+            <a:ln>
+              <a:noFill/>
+            </a:ln>
+          </p:spPr>
+          <p:style>
+            <a:lnRef idx="2">
+              <a:schemeClr val="accent1">
+                <a:shade val="50000"/>
+              </a:schemeClr>
+            </a:lnRef>
+            <a:fillRef idx="1">
+              <a:schemeClr val="accent1"/>
+            </a:fillRef>
+            <a:effectRef idx="0">
+              <a:schemeClr val="accent1"/>
+            </a:effectRef>
+            <a:fontRef idx="minor">
+              <a:schemeClr val="lt1"/>
+            </a:fontRef>
+          </p:style>
+          <p:txBody>
+            <a:bodyPr rtlCol="0" anchor="ctr"/>
+            <a:lstStyle/>
+            <a:p>
+              <a:pPr algn="ctr"/>
+              <a:endParaRPr lang="ko-KR" altLang="en-US">
+                <a:solidFill>
+                  <a:prstClr val="white"/>
+                </a:solidFill>
+              </a:endParaRPr>
+            </a:p>
+          </p:txBody>
+        </p:sp>
+        <p:sp>
+          <p:nvSpPr>
+            <p:cNvPr id="57" name="직사각형 56">
+              <a:extLst>
+                <a:ext uri="{FF2B5EF4-FFF2-40B4-BE49-F238E27FC236}">
+                  <a16:creationId xmlns:a16="http://schemas.microsoft.com/office/drawing/2014/main" id="{2B40C52F-61C4-4726-BF66-8F694B8E6D71}"/>
+                </a:ext>
+              </a:extLst>
+            </p:cNvPr>
+            <p:cNvSpPr/>
+            <p:nvPr/>
+          </p:nvSpPr>
+          <p:spPr>
+            <a:xfrm>
+              <a:off x="2918932" y="1675711"/>
+              <a:ext cx="464936" cy="461665"/>
+            </a:xfrm>
+            <a:prstGeom prst="rect">
+              <a:avLst/>
+            </a:prstGeom>
+          </p:spPr>
+          <p:txBody>
+            <a:bodyPr wrap="square">
+              <a:spAutoFit/>
+            </a:bodyPr>
+            <a:lstStyle/>
+            <a:p>
+              <a:r>
+                <a:rPr lang="en-US" altLang="ko-KR" sz="2400" b="1" dirty="0">
+                  <a:solidFill>
+                    <a:prstClr val="white"/>
+                  </a:solidFill>
+                </a:rPr>
+                <a:t>4</a:t>
+              </a:r>
+              <a:r>
+                <a:rPr lang="ko-KR" altLang="en-US" sz="2400" b="1" dirty="0">
+                  <a:solidFill>
+                    <a:prstClr val="white"/>
+                  </a:solidFill>
+                </a:rPr>
+                <a:t> </a:t>
+              </a:r>
+              <a:endParaRPr lang="ko-KR" altLang="en-US" sz="2400" b="1" dirty="0">
+                <a:solidFill>
+                  <a:prstClr val="black"/>
+                </a:solidFill>
+              </a:endParaRPr>
+            </a:p>
+          </p:txBody>
+        </p:sp>
+      </p:grpSp>
+      <p:grpSp>
+        <p:nvGrpSpPr>
+          <p:cNvPr id="21" name="그룹 20">
+            <a:extLst>
+              <a:ext uri="{FF2B5EF4-FFF2-40B4-BE49-F238E27FC236}">
+                <a16:creationId xmlns:a16="http://schemas.microsoft.com/office/drawing/2014/main" id="{699541B6-F51F-4F42-A016-99FA06E011AB}"/>
+              </a:ext>
+            </a:extLst>
+          </p:cNvPr>
+          <p:cNvGrpSpPr/>
+          <p:nvPr/>
+        </p:nvGrpSpPr>
+        <p:grpSpPr>
+          <a:xfrm>
+            <a:off x="91440" y="58724"/>
+            <a:ext cx="8972584" cy="6749968"/>
+            <a:chOff x="91440" y="58724"/>
+            <a:chExt cx="8972584" cy="6749968"/>
+          </a:xfrm>
+        </p:grpSpPr>
+        <p:sp>
+          <p:nvSpPr>
+            <p:cNvPr id="22" name="모서리가 둥근 직사각형 4">
+              <a:extLst>
+                <a:ext uri="{FF2B5EF4-FFF2-40B4-BE49-F238E27FC236}">
+                  <a16:creationId xmlns:a16="http://schemas.microsoft.com/office/drawing/2014/main" id="{776C25F0-6975-4855-9F36-1C7307CEEBD3}"/>
+                </a:ext>
+              </a:extLst>
+            </p:cNvPr>
+            <p:cNvSpPr/>
+            <p:nvPr/>
+          </p:nvSpPr>
+          <p:spPr>
+            <a:xfrm>
+              <a:off x="182880" y="142662"/>
+              <a:ext cx="8778240" cy="6574809"/>
+            </a:xfrm>
+            <a:prstGeom prst="roundRect">
+              <a:avLst>
+                <a:gd name="adj" fmla="val 3862"/>
+              </a:avLst>
+            </a:prstGeom>
+            <a:noFill/>
+            <a:ln w="38100">
+              <a:solidFill>
+                <a:srgbClr val="46ACA1"/>
+              </a:solidFill>
+            </a:ln>
+          </p:spPr>
+          <p:style>
+            <a:lnRef idx="2">
+              <a:schemeClr val="accent1">
+                <a:shade val="50000"/>
+              </a:schemeClr>
+            </a:lnRef>
+            <a:fillRef idx="1">
+              <a:schemeClr val="accent1"/>
+            </a:fillRef>
+            <a:effectRef idx="0">
+              <a:schemeClr val="accent1"/>
+            </a:effectRef>
+            <a:fontRef idx="minor">
+              <a:schemeClr val="lt1"/>
+            </a:fontRef>
+          </p:style>
+          <p:txBody>
+            <a:bodyPr rtlCol="0" anchor="ctr"/>
+            <a:lstStyle/>
+            <a:p>
+              <a:pPr algn="ctr"/>
+              <a:endParaRPr lang="ko-KR" altLang="en-US" dirty="0">
+                <a:solidFill>
+                  <a:prstClr val="white"/>
+                </a:solidFill>
+              </a:endParaRPr>
+            </a:p>
+          </p:txBody>
+        </p:sp>
+        <p:sp>
+          <p:nvSpPr>
+            <p:cNvPr id="23" name="모서리가 둥근 직사각형 5">
+              <a:extLst>
+                <a:ext uri="{FF2B5EF4-FFF2-40B4-BE49-F238E27FC236}">
+                  <a16:creationId xmlns:a16="http://schemas.microsoft.com/office/drawing/2014/main" id="{721564B0-3419-4F0D-9D2A-49420FA12718}"/>
+                </a:ext>
+              </a:extLst>
+            </p:cNvPr>
+            <p:cNvSpPr/>
+            <p:nvPr/>
+          </p:nvSpPr>
+          <p:spPr>
+            <a:xfrm>
+              <a:off x="91440" y="58724"/>
+              <a:ext cx="8972584" cy="6749968"/>
+            </a:xfrm>
+            <a:prstGeom prst="roundRect">
+              <a:avLst>
+                <a:gd name="adj" fmla="val 5051"/>
+              </a:avLst>
+            </a:prstGeom>
+            <a:noFill/>
+            <a:ln w="38100">
+              <a:solidFill>
+                <a:schemeClr val="tx1">
+                  <a:lumMod val="65000"/>
+                  <a:lumOff val="35000"/>
+                </a:schemeClr>
+              </a:solidFill>
+            </a:ln>
+          </p:spPr>
+          <p:style>
+            <a:lnRef idx="2">
+              <a:schemeClr val="accent1">
+                <a:shade val="50000"/>
+              </a:schemeClr>
+            </a:lnRef>
+            <a:fillRef idx="1">
+              <a:schemeClr val="accent1"/>
+            </a:fillRef>
+            <a:effectRef idx="0">
+              <a:schemeClr val="accent1"/>
+            </a:effectRef>
+            <a:fontRef idx="minor">
+              <a:schemeClr val="lt1"/>
+            </a:fontRef>
+          </p:style>
+          <p:txBody>
+            <a:bodyPr rtlCol="0" anchor="ctr"/>
+            <a:lstStyle/>
+            <a:p>
+              <a:pPr algn="ctr"/>
+              <a:endParaRPr lang="ko-KR" altLang="en-US">
+                <a:solidFill>
+                  <a:prstClr val="white"/>
+                </a:solidFill>
+              </a:endParaRPr>
+            </a:p>
+          </p:txBody>
+        </p:sp>
+      </p:grpSp>
+      <p:sp>
+        <p:nvSpPr>
+          <p:cNvPr id="24" name="모서리가 둥근 직사각형 6">
+            <a:extLst>
+              <a:ext uri="{FF2B5EF4-FFF2-40B4-BE49-F238E27FC236}">
+                <a16:creationId xmlns:a16="http://schemas.microsoft.com/office/drawing/2014/main" id="{C638FBCE-35D9-490F-8052-6C660097514E}"/>
+              </a:ext>
+            </a:extLst>
+          </p:cNvPr>
+          <p:cNvSpPr/>
+          <p:nvPr/>
+        </p:nvSpPr>
+        <p:spPr>
+          <a:xfrm>
+            <a:off x="3509924" y="947470"/>
+            <a:ext cx="2131615" cy="367759"/>
+          </a:xfrm>
+          <a:prstGeom prst="roundRect">
+            <a:avLst>
+              <a:gd name="adj" fmla="val 50000"/>
+            </a:avLst>
+          </a:prstGeom>
+          <a:solidFill>
+            <a:schemeClr val="tx1">
+              <a:lumMod val="75000"/>
+              <a:lumOff val="25000"/>
+            </a:schemeClr>
+          </a:solidFill>
+          <a:ln>
+            <a:noFill/>
+          </a:ln>
+        </p:spPr>
+        <p:style>
+          <a:lnRef idx="2">
+            <a:schemeClr val="accent1">
+              <a:shade val="50000"/>
+            </a:schemeClr>
+          </a:lnRef>
+          <a:fillRef idx="1">
+            <a:schemeClr val="accent1"/>
+          </a:fillRef>
+          <a:effectRef idx="0">
+            <a:schemeClr val="accent1"/>
+          </a:effectRef>
+          <a:fontRef idx="minor">
+            <a:schemeClr val="lt1"/>
+          </a:fontRef>
+        </p:style>
+        <p:txBody>
+          <a:bodyPr rtlCol="0" anchor="ctr"/>
+          <a:lstStyle/>
+          <a:p>
+            <a:pPr algn="ctr"/>
+            <a:r>
+              <a:rPr lang="ko-KR" altLang="en-US" sz="1600" b="1" dirty="0">
+                <a:solidFill>
+                  <a:prstClr val="white"/>
+                </a:solidFill>
+              </a:rPr>
+              <a:t>목 차</a:t>
+            </a:r>
+            <a:endParaRPr lang="en-US" altLang="ko-KR" sz="1600" b="1" dirty="0">
+              <a:solidFill>
+                <a:prstClr val="white"/>
+              </a:solidFill>
+            </a:endParaRPr>
+          </a:p>
+        </p:txBody>
+      </p:sp>
+      <p:sp>
+        <p:nvSpPr>
+          <p:cNvPr id="2" name="슬라이드 번호 개체 틀 1">
+            <a:extLst>
+              <a:ext uri="{FF2B5EF4-FFF2-40B4-BE49-F238E27FC236}">
+                <a16:creationId xmlns:a16="http://schemas.microsoft.com/office/drawing/2014/main" id="{FA8BA3B4-4268-4A10-82BF-437B6BE666ED}"/>
+              </a:ext>
+            </a:extLst>
+          </p:cNvPr>
+          <p:cNvSpPr>
+            <a:spLocks noGrp="1"/>
+          </p:cNvSpPr>
+          <p:nvPr>
+            <p:ph type="sldNum" sz="quarter" idx="12"/>
+          </p:nvPr>
+        </p:nvSpPr>
+        <p:spPr/>
+        <p:txBody>
+          <a:bodyPr/>
+          <a:lstStyle/>
+          <a:p>
+            <a:fld id="{339B9C72-21D5-4AB9-87FA-CC4C72A0D342}" type="slidenum">
+              <a:rPr lang="ko-KR" altLang="en-US" smtClean="0">
+                <a:solidFill>
+                  <a:prstClr val="black">
+                    <a:tint val="75000"/>
+                  </a:prstClr>
+                </a:solidFill>
+              </a:rPr>
+              <a:pPr/>
+              <a:t>2</a:t>
+            </a:fld>
+            <a:endParaRPr lang="ko-KR" altLang="en-US">
+              <a:solidFill>
+                <a:prstClr val="black">
+                  <a:tint val="75000"/>
+                </a:prstClr>
+              </a:solidFill>
+            </a:endParaRPr>
+          </a:p>
+        </p:txBody>
+      </p:sp>
+    </p:spTree>
+    <p:extLst>
+      <p:ext uri="{BB962C8B-B14F-4D97-AF65-F5344CB8AC3E}">
+        <p14:creationId xmlns:p14="http://schemas.microsoft.com/office/powerpoint/2010/main" val="2435991669"/>
+      </p:ext>
+    </p:extLst>
+  </p:cSld>
+  <p:clrMapOvr>
+    <a:masterClrMapping/>
+  </p:clrMapOvr>
+</p:sld>
+</file>
+
+<file path=ppt/slides/slide20.xml><?xml version="1.0" encoding="utf-8"?>
 <p:sld xmlns:a="http://schemas.openxmlformats.org/drawingml/2006/main" xmlns:r="http://schemas.openxmlformats.org/officeDocument/2006/relationships" xmlns:p="http://schemas.openxmlformats.org/presentationml/2006/main">
   <p:cSld>
     <p:spTree>
@@ -20323,7 +22203,7 @@
                 </a:solidFill>
               </a:rPr>
               <a:pPr/>
-              <a:t>19</a:t>
+              <a:t>20</a:t>
             </a:fld>
             <a:endParaRPr lang="ko-KR" altLang="en-US" dirty="0">
               <a:solidFill>
@@ -22195,1060 +24075,7 @@
 </p:sld>
 </file>
 
-<file path=ppt/slides/slide2.xml><?xml version="1.0" encoding="utf-8"?>
-<p:sld xmlns:a="http://schemas.openxmlformats.org/drawingml/2006/main" xmlns:r="http://schemas.openxmlformats.org/officeDocument/2006/relationships" xmlns:p="http://schemas.openxmlformats.org/presentationml/2006/main">
-  <p:cSld>
-    <p:spTree>
-      <p:nvGrpSpPr>
-        <p:cNvPr id="1" name=""/>
-        <p:cNvGrpSpPr/>
-        <p:nvPr/>
-      </p:nvGrpSpPr>
-      <p:grpSpPr>
-        <a:xfrm>
-          <a:off x="0" y="0"/>
-          <a:ext cx="0" cy="0"/>
-          <a:chOff x="0" y="0"/>
-          <a:chExt cx="0" cy="0"/>
-        </a:xfrm>
-      </p:grpSpPr>
-      <p:grpSp>
-        <p:nvGrpSpPr>
-          <p:cNvPr id="4" name="그룹 3">
-            <a:extLst>
-              <a:ext uri="{FF2B5EF4-FFF2-40B4-BE49-F238E27FC236}">
-                <a16:creationId xmlns:a16="http://schemas.microsoft.com/office/drawing/2014/main" id="{39944C71-4A14-477B-B880-AFEF56EFA3D4}"/>
-              </a:ext>
-            </a:extLst>
-          </p:cNvPr>
-          <p:cNvGrpSpPr/>
-          <p:nvPr/>
-        </p:nvGrpSpPr>
-        <p:grpSpPr>
-          <a:xfrm>
-            <a:off x="1400951" y="2152265"/>
-            <a:ext cx="2348940" cy="1142989"/>
-            <a:chOff x="2902568" y="1675711"/>
-            <a:chExt cx="2348940" cy="1142989"/>
-          </a:xfrm>
-        </p:grpSpPr>
-        <p:sp>
-          <p:nvSpPr>
-            <p:cNvPr id="12" name="대각선 방향의 모서리가 둥근 사각형 24">
-              <a:extLst>
-                <a:ext uri="{FF2B5EF4-FFF2-40B4-BE49-F238E27FC236}">
-                  <a16:creationId xmlns:a16="http://schemas.microsoft.com/office/drawing/2014/main" id="{1FF59CDF-155A-4528-86E8-41E4C0575758}"/>
-                </a:ext>
-              </a:extLst>
-            </p:cNvPr>
-            <p:cNvSpPr/>
-            <p:nvPr/>
-          </p:nvSpPr>
-          <p:spPr>
-            <a:xfrm flipH="1">
-              <a:off x="2902568" y="1697727"/>
-              <a:ext cx="2348940" cy="1120973"/>
-            </a:xfrm>
-            <a:prstGeom prst="round2DiagRect">
-              <a:avLst>
-                <a:gd name="adj1" fmla="val 23031"/>
-                <a:gd name="adj2" fmla="val 0"/>
-              </a:avLst>
-            </a:prstGeom>
-            <a:solidFill>
-              <a:schemeClr val="bg1"/>
-            </a:solidFill>
-            <a:ln>
-              <a:solidFill>
-                <a:srgbClr val="7CCAC1"/>
-              </a:solidFill>
-            </a:ln>
-          </p:spPr>
-          <p:style>
-            <a:lnRef idx="2">
-              <a:schemeClr val="accent1">
-                <a:shade val="50000"/>
-              </a:schemeClr>
-            </a:lnRef>
-            <a:fillRef idx="1">
-              <a:schemeClr val="accent1"/>
-            </a:fillRef>
-            <a:effectRef idx="0">
-              <a:schemeClr val="accent1"/>
-            </a:effectRef>
-            <a:fontRef idx="minor">
-              <a:schemeClr val="lt1"/>
-            </a:fontRef>
-          </p:style>
-          <p:txBody>
-            <a:bodyPr rtlCol="0" anchor="ctr"/>
-            <a:lstStyle/>
-            <a:p>
-              <a:pPr algn="ctr"/>
-              <a:r>
-                <a:rPr lang="ko-KR" altLang="en-US" sz="2400" b="1" dirty="0">
-                  <a:solidFill>
-                    <a:schemeClr val="tx1">
-                      <a:lumMod val="75000"/>
-                      <a:lumOff val="25000"/>
-                    </a:schemeClr>
-                  </a:solidFill>
-                </a:rPr>
-                <a:t>소개</a:t>
-              </a:r>
-              <a:endParaRPr lang="ko-KR" altLang="en-US" b="1" dirty="0">
-                <a:solidFill>
-                  <a:schemeClr val="tx1">
-                    <a:lumMod val="75000"/>
-                    <a:lumOff val="25000"/>
-                  </a:schemeClr>
-                </a:solidFill>
-              </a:endParaRPr>
-            </a:p>
-          </p:txBody>
-        </p:sp>
-        <p:sp>
-          <p:nvSpPr>
-            <p:cNvPr id="13" name="직각 삼각형 12">
-              <a:extLst>
-                <a:ext uri="{FF2B5EF4-FFF2-40B4-BE49-F238E27FC236}">
-                  <a16:creationId xmlns:a16="http://schemas.microsoft.com/office/drawing/2014/main" id="{7136721C-DE63-4EDC-8C96-6F39695E34DD}"/>
-                </a:ext>
-              </a:extLst>
-            </p:cNvPr>
-            <p:cNvSpPr/>
-            <p:nvPr/>
-          </p:nvSpPr>
-          <p:spPr>
-            <a:xfrm rot="5400000">
-              <a:off x="2902568" y="1697727"/>
-              <a:ext cx="661617" cy="661617"/>
-            </a:xfrm>
-            <a:prstGeom prst="rtTriangle">
-              <a:avLst/>
-            </a:prstGeom>
-            <a:solidFill>
-              <a:srgbClr val="46ACA1"/>
-            </a:solidFill>
-            <a:ln>
-              <a:noFill/>
-            </a:ln>
-          </p:spPr>
-          <p:style>
-            <a:lnRef idx="2">
-              <a:schemeClr val="accent1">
-                <a:shade val="50000"/>
-              </a:schemeClr>
-            </a:lnRef>
-            <a:fillRef idx="1">
-              <a:schemeClr val="accent1"/>
-            </a:fillRef>
-            <a:effectRef idx="0">
-              <a:schemeClr val="accent1"/>
-            </a:effectRef>
-            <a:fontRef idx="minor">
-              <a:schemeClr val="lt1"/>
-            </a:fontRef>
-          </p:style>
-          <p:txBody>
-            <a:bodyPr rtlCol="0" anchor="ctr"/>
-            <a:lstStyle/>
-            <a:p>
-              <a:pPr algn="ctr"/>
-              <a:endParaRPr lang="ko-KR" altLang="en-US">
-                <a:solidFill>
-                  <a:prstClr val="white"/>
-                </a:solidFill>
-              </a:endParaRPr>
-            </a:p>
-          </p:txBody>
-        </p:sp>
-        <p:sp>
-          <p:nvSpPr>
-            <p:cNvPr id="14" name="직사각형 13">
-              <a:extLst>
-                <a:ext uri="{FF2B5EF4-FFF2-40B4-BE49-F238E27FC236}">
-                  <a16:creationId xmlns:a16="http://schemas.microsoft.com/office/drawing/2014/main" id="{3E2D3FFC-7F9D-4E9A-8308-23712667ABA4}"/>
-                </a:ext>
-              </a:extLst>
-            </p:cNvPr>
-            <p:cNvSpPr/>
-            <p:nvPr/>
-          </p:nvSpPr>
-          <p:spPr>
-            <a:xfrm>
-              <a:off x="2918932" y="1675711"/>
-              <a:ext cx="464936" cy="461665"/>
-            </a:xfrm>
-            <a:prstGeom prst="rect">
-              <a:avLst/>
-            </a:prstGeom>
-          </p:spPr>
-          <p:txBody>
-            <a:bodyPr wrap="square">
-              <a:spAutoFit/>
-            </a:bodyPr>
-            <a:lstStyle/>
-            <a:p>
-              <a:r>
-                <a:rPr lang="en-US" altLang="ko-KR" sz="2400" b="1" dirty="0">
-                  <a:solidFill>
-                    <a:prstClr val="white"/>
-                  </a:solidFill>
-                </a:rPr>
-                <a:t>1</a:t>
-              </a:r>
-              <a:r>
-                <a:rPr lang="ko-KR" altLang="en-US" sz="2400" b="1" dirty="0">
-                  <a:solidFill>
-                    <a:prstClr val="white"/>
-                  </a:solidFill>
-                </a:rPr>
-                <a:t> </a:t>
-              </a:r>
-              <a:endParaRPr lang="ko-KR" altLang="en-US" sz="2400" b="1" dirty="0">
-                <a:solidFill>
-                  <a:prstClr val="black"/>
-                </a:solidFill>
-              </a:endParaRPr>
-            </a:p>
-          </p:txBody>
-        </p:sp>
-      </p:grpSp>
-      <p:grpSp>
-        <p:nvGrpSpPr>
-          <p:cNvPr id="47" name="그룹 46">
-            <a:extLst>
-              <a:ext uri="{FF2B5EF4-FFF2-40B4-BE49-F238E27FC236}">
-                <a16:creationId xmlns:a16="http://schemas.microsoft.com/office/drawing/2014/main" id="{96C88AB8-5AD5-4B7D-B141-69A323807AE8}"/>
-              </a:ext>
-            </a:extLst>
-          </p:cNvPr>
-          <p:cNvGrpSpPr/>
-          <p:nvPr/>
-        </p:nvGrpSpPr>
-        <p:grpSpPr>
-          <a:xfrm>
-            <a:off x="5394111" y="2152265"/>
-            <a:ext cx="2348940" cy="1142989"/>
-            <a:chOff x="2902568" y="1675711"/>
-            <a:chExt cx="2348940" cy="1142989"/>
-          </a:xfrm>
-        </p:grpSpPr>
-        <p:sp>
-          <p:nvSpPr>
-            <p:cNvPr id="48" name="대각선 방향의 모서리가 둥근 사각형 24">
-              <a:extLst>
-                <a:ext uri="{FF2B5EF4-FFF2-40B4-BE49-F238E27FC236}">
-                  <a16:creationId xmlns:a16="http://schemas.microsoft.com/office/drawing/2014/main" id="{7048011C-3E7B-471A-9F70-93589D39B43B}"/>
-                </a:ext>
-              </a:extLst>
-            </p:cNvPr>
-            <p:cNvSpPr/>
-            <p:nvPr/>
-          </p:nvSpPr>
-          <p:spPr>
-            <a:xfrm flipH="1">
-              <a:off x="2902568" y="1697727"/>
-              <a:ext cx="2348940" cy="1120973"/>
-            </a:xfrm>
-            <a:prstGeom prst="round2DiagRect">
-              <a:avLst>
-                <a:gd name="adj1" fmla="val 23031"/>
-                <a:gd name="adj2" fmla="val 0"/>
-              </a:avLst>
-            </a:prstGeom>
-            <a:solidFill>
-              <a:schemeClr val="bg1"/>
-            </a:solidFill>
-            <a:ln>
-              <a:solidFill>
-                <a:srgbClr val="7CCAC1"/>
-              </a:solidFill>
-            </a:ln>
-          </p:spPr>
-          <p:style>
-            <a:lnRef idx="2">
-              <a:schemeClr val="accent1">
-                <a:shade val="50000"/>
-              </a:schemeClr>
-            </a:lnRef>
-            <a:fillRef idx="1">
-              <a:schemeClr val="accent1"/>
-            </a:fillRef>
-            <a:effectRef idx="0">
-              <a:schemeClr val="accent1"/>
-            </a:effectRef>
-            <a:fontRef idx="minor">
-              <a:schemeClr val="lt1"/>
-            </a:fontRef>
-          </p:style>
-          <p:txBody>
-            <a:bodyPr rtlCol="0" anchor="ctr"/>
-            <a:lstStyle/>
-            <a:p>
-              <a:pPr algn="ctr"/>
-              <a:r>
-                <a:rPr lang="ko-KR" altLang="en-US" sz="2400" b="1" dirty="0">
-                  <a:solidFill>
-                    <a:schemeClr val="tx1">
-                      <a:lumMod val="75000"/>
-                      <a:lumOff val="25000"/>
-                    </a:schemeClr>
-                  </a:solidFill>
-                </a:rPr>
-                <a:t>특징</a:t>
-              </a:r>
-            </a:p>
-          </p:txBody>
-        </p:sp>
-        <p:sp>
-          <p:nvSpPr>
-            <p:cNvPr id="49" name="직각 삼각형 48">
-              <a:extLst>
-                <a:ext uri="{FF2B5EF4-FFF2-40B4-BE49-F238E27FC236}">
-                  <a16:creationId xmlns:a16="http://schemas.microsoft.com/office/drawing/2014/main" id="{E6F19107-988A-4B08-A531-6A79B51ADD3C}"/>
-                </a:ext>
-              </a:extLst>
-            </p:cNvPr>
-            <p:cNvSpPr/>
-            <p:nvPr/>
-          </p:nvSpPr>
-          <p:spPr>
-            <a:xfrm rot="5400000">
-              <a:off x="2902568" y="1697727"/>
-              <a:ext cx="661617" cy="661617"/>
-            </a:xfrm>
-            <a:prstGeom prst="rtTriangle">
-              <a:avLst/>
-            </a:prstGeom>
-            <a:solidFill>
-              <a:srgbClr val="46ACA1"/>
-            </a:solidFill>
-            <a:ln>
-              <a:noFill/>
-            </a:ln>
-          </p:spPr>
-          <p:style>
-            <a:lnRef idx="2">
-              <a:schemeClr val="accent1">
-                <a:shade val="50000"/>
-              </a:schemeClr>
-            </a:lnRef>
-            <a:fillRef idx="1">
-              <a:schemeClr val="accent1"/>
-            </a:fillRef>
-            <a:effectRef idx="0">
-              <a:schemeClr val="accent1"/>
-            </a:effectRef>
-            <a:fontRef idx="minor">
-              <a:schemeClr val="lt1"/>
-            </a:fontRef>
-          </p:style>
-          <p:txBody>
-            <a:bodyPr rtlCol="0" anchor="ctr"/>
-            <a:lstStyle/>
-            <a:p>
-              <a:pPr algn="ctr"/>
-              <a:endParaRPr lang="ko-KR" altLang="en-US">
-                <a:solidFill>
-                  <a:prstClr val="white"/>
-                </a:solidFill>
-              </a:endParaRPr>
-            </a:p>
-          </p:txBody>
-        </p:sp>
-        <p:sp>
-          <p:nvSpPr>
-            <p:cNvPr id="50" name="직사각형 49">
-              <a:extLst>
-                <a:ext uri="{FF2B5EF4-FFF2-40B4-BE49-F238E27FC236}">
-                  <a16:creationId xmlns:a16="http://schemas.microsoft.com/office/drawing/2014/main" id="{A23FD323-062B-42B9-9935-5B40AE6C1807}"/>
-                </a:ext>
-              </a:extLst>
-            </p:cNvPr>
-            <p:cNvSpPr/>
-            <p:nvPr/>
-          </p:nvSpPr>
-          <p:spPr>
-            <a:xfrm>
-              <a:off x="2918932" y="1675711"/>
-              <a:ext cx="464936" cy="461665"/>
-            </a:xfrm>
-            <a:prstGeom prst="rect">
-              <a:avLst/>
-            </a:prstGeom>
-          </p:spPr>
-          <p:txBody>
-            <a:bodyPr wrap="square">
-              <a:spAutoFit/>
-            </a:bodyPr>
-            <a:lstStyle/>
-            <a:p>
-              <a:r>
-                <a:rPr lang="en-US" altLang="ko-KR" sz="2400" b="1" dirty="0">
-                  <a:solidFill>
-                    <a:prstClr val="white"/>
-                  </a:solidFill>
-                </a:rPr>
-                <a:t>2</a:t>
-              </a:r>
-              <a:endParaRPr lang="ko-KR" altLang="en-US" sz="2400" b="1" dirty="0">
-                <a:solidFill>
-                  <a:prstClr val="black"/>
-                </a:solidFill>
-              </a:endParaRPr>
-            </a:p>
-          </p:txBody>
-        </p:sp>
-      </p:grpSp>
-      <p:grpSp>
-        <p:nvGrpSpPr>
-          <p:cNvPr id="53" name="그룹 52">
-            <a:extLst>
-              <a:ext uri="{FF2B5EF4-FFF2-40B4-BE49-F238E27FC236}">
-                <a16:creationId xmlns:a16="http://schemas.microsoft.com/office/drawing/2014/main" id="{5D19902A-47B4-41B8-B684-243D12F2AFB5}"/>
-              </a:ext>
-            </a:extLst>
-          </p:cNvPr>
-          <p:cNvGrpSpPr/>
-          <p:nvPr/>
-        </p:nvGrpSpPr>
-        <p:grpSpPr>
-          <a:xfrm>
-            <a:off x="1400951" y="3971301"/>
-            <a:ext cx="2348940" cy="1142989"/>
-            <a:chOff x="2902568" y="1675711"/>
-            <a:chExt cx="2348940" cy="1142989"/>
-          </a:xfrm>
-        </p:grpSpPr>
-        <p:sp>
-          <p:nvSpPr>
-            <p:cNvPr id="58" name="대각선 방향의 모서리가 둥근 사각형 24">
-              <a:extLst>
-                <a:ext uri="{FF2B5EF4-FFF2-40B4-BE49-F238E27FC236}">
-                  <a16:creationId xmlns:a16="http://schemas.microsoft.com/office/drawing/2014/main" id="{DA26B2FC-013A-4492-8A6A-EC2C2EDFC049}"/>
-                </a:ext>
-              </a:extLst>
-            </p:cNvPr>
-            <p:cNvSpPr/>
-            <p:nvPr/>
-          </p:nvSpPr>
-          <p:spPr>
-            <a:xfrm flipH="1">
-              <a:off x="2902568" y="1697727"/>
-              <a:ext cx="2348940" cy="1120973"/>
-            </a:xfrm>
-            <a:prstGeom prst="round2DiagRect">
-              <a:avLst>
-                <a:gd name="adj1" fmla="val 23031"/>
-                <a:gd name="adj2" fmla="val 0"/>
-              </a:avLst>
-            </a:prstGeom>
-            <a:solidFill>
-              <a:schemeClr val="bg1"/>
-            </a:solidFill>
-            <a:ln>
-              <a:solidFill>
-                <a:srgbClr val="7CCAC1"/>
-              </a:solidFill>
-            </a:ln>
-          </p:spPr>
-          <p:style>
-            <a:lnRef idx="2">
-              <a:schemeClr val="accent1">
-                <a:shade val="50000"/>
-              </a:schemeClr>
-            </a:lnRef>
-            <a:fillRef idx="1">
-              <a:schemeClr val="accent1"/>
-            </a:fillRef>
-            <a:effectRef idx="0">
-              <a:schemeClr val="accent1"/>
-            </a:effectRef>
-            <a:fontRef idx="minor">
-              <a:schemeClr val="lt1"/>
-            </a:fontRef>
-          </p:style>
-          <p:txBody>
-            <a:bodyPr rtlCol="0" anchor="ctr"/>
-            <a:lstStyle/>
-            <a:p>
-              <a:pPr algn="ctr"/>
-              <a:r>
-                <a:rPr lang="ko-KR" altLang="en-US" sz="2400" b="1" dirty="0">
-                  <a:solidFill>
-                    <a:schemeClr val="tx1">
-                      <a:lumMod val="75000"/>
-                      <a:lumOff val="25000"/>
-                    </a:schemeClr>
-                  </a:solidFill>
-                </a:rPr>
-                <a:t>구조</a:t>
-              </a:r>
-            </a:p>
-          </p:txBody>
-        </p:sp>
-        <p:sp>
-          <p:nvSpPr>
-            <p:cNvPr id="59" name="직각 삼각형 58">
-              <a:extLst>
-                <a:ext uri="{FF2B5EF4-FFF2-40B4-BE49-F238E27FC236}">
-                  <a16:creationId xmlns:a16="http://schemas.microsoft.com/office/drawing/2014/main" id="{9F30084D-06CB-478D-A23B-2E7A6CF00868}"/>
-                </a:ext>
-              </a:extLst>
-            </p:cNvPr>
-            <p:cNvSpPr/>
-            <p:nvPr/>
-          </p:nvSpPr>
-          <p:spPr>
-            <a:xfrm rot="5400000">
-              <a:off x="2902568" y="1697727"/>
-              <a:ext cx="661617" cy="661617"/>
-            </a:xfrm>
-            <a:prstGeom prst="rtTriangle">
-              <a:avLst/>
-            </a:prstGeom>
-            <a:solidFill>
-              <a:srgbClr val="46ACA1"/>
-            </a:solidFill>
-            <a:ln>
-              <a:noFill/>
-            </a:ln>
-          </p:spPr>
-          <p:style>
-            <a:lnRef idx="2">
-              <a:schemeClr val="accent1">
-                <a:shade val="50000"/>
-              </a:schemeClr>
-            </a:lnRef>
-            <a:fillRef idx="1">
-              <a:schemeClr val="accent1"/>
-            </a:fillRef>
-            <a:effectRef idx="0">
-              <a:schemeClr val="accent1"/>
-            </a:effectRef>
-            <a:fontRef idx="minor">
-              <a:schemeClr val="lt1"/>
-            </a:fontRef>
-          </p:style>
-          <p:txBody>
-            <a:bodyPr rtlCol="0" anchor="ctr"/>
-            <a:lstStyle/>
-            <a:p>
-              <a:pPr algn="ctr"/>
-              <a:endParaRPr lang="ko-KR" altLang="en-US">
-                <a:solidFill>
-                  <a:prstClr val="white"/>
-                </a:solidFill>
-              </a:endParaRPr>
-            </a:p>
-          </p:txBody>
-        </p:sp>
-        <p:sp>
-          <p:nvSpPr>
-            <p:cNvPr id="60" name="직사각형 59">
-              <a:extLst>
-                <a:ext uri="{FF2B5EF4-FFF2-40B4-BE49-F238E27FC236}">
-                  <a16:creationId xmlns:a16="http://schemas.microsoft.com/office/drawing/2014/main" id="{42314F41-2BF6-4D51-9554-6FC5B800C14A}"/>
-                </a:ext>
-              </a:extLst>
-            </p:cNvPr>
-            <p:cNvSpPr/>
-            <p:nvPr/>
-          </p:nvSpPr>
-          <p:spPr>
-            <a:xfrm>
-              <a:off x="2918932" y="1675711"/>
-              <a:ext cx="464936" cy="461665"/>
-            </a:xfrm>
-            <a:prstGeom prst="rect">
-              <a:avLst/>
-            </a:prstGeom>
-          </p:spPr>
-          <p:txBody>
-            <a:bodyPr wrap="square">
-              <a:spAutoFit/>
-            </a:bodyPr>
-            <a:lstStyle/>
-            <a:p>
-              <a:r>
-                <a:rPr lang="en-US" altLang="ko-KR" sz="2400" b="1" dirty="0">
-                  <a:solidFill>
-                    <a:prstClr val="white"/>
-                  </a:solidFill>
-                </a:rPr>
-                <a:t>3</a:t>
-              </a:r>
-              <a:endParaRPr lang="ko-KR" altLang="en-US" sz="2400" b="1" dirty="0">
-                <a:solidFill>
-                  <a:prstClr val="black"/>
-                </a:solidFill>
-              </a:endParaRPr>
-            </a:p>
-          </p:txBody>
-        </p:sp>
-      </p:grpSp>
-      <p:grpSp>
-        <p:nvGrpSpPr>
-          <p:cNvPr id="54" name="그룹 53">
-            <a:extLst>
-              <a:ext uri="{FF2B5EF4-FFF2-40B4-BE49-F238E27FC236}">
-                <a16:creationId xmlns:a16="http://schemas.microsoft.com/office/drawing/2014/main" id="{00E40965-9597-4D31-9EAE-BDF9CB3AC917}"/>
-              </a:ext>
-            </a:extLst>
-          </p:cNvPr>
-          <p:cNvGrpSpPr/>
-          <p:nvPr/>
-        </p:nvGrpSpPr>
-        <p:grpSpPr>
-          <a:xfrm>
-            <a:off x="5394111" y="3971301"/>
-            <a:ext cx="2348940" cy="1142989"/>
-            <a:chOff x="2902568" y="1675711"/>
-            <a:chExt cx="2348940" cy="1142989"/>
-          </a:xfrm>
-        </p:grpSpPr>
-        <p:sp>
-          <p:nvSpPr>
-            <p:cNvPr id="55" name="대각선 방향의 모서리가 둥근 사각형 24">
-              <a:extLst>
-                <a:ext uri="{FF2B5EF4-FFF2-40B4-BE49-F238E27FC236}">
-                  <a16:creationId xmlns:a16="http://schemas.microsoft.com/office/drawing/2014/main" id="{F9D0291C-40C3-4F47-8AA6-59C6C5FA9ABB}"/>
-                </a:ext>
-              </a:extLst>
-            </p:cNvPr>
-            <p:cNvSpPr/>
-            <p:nvPr/>
-          </p:nvSpPr>
-          <p:spPr>
-            <a:xfrm flipH="1">
-              <a:off x="2902568" y="1697727"/>
-              <a:ext cx="2348940" cy="1120973"/>
-            </a:xfrm>
-            <a:prstGeom prst="round2DiagRect">
-              <a:avLst>
-                <a:gd name="adj1" fmla="val 23031"/>
-                <a:gd name="adj2" fmla="val 0"/>
-              </a:avLst>
-            </a:prstGeom>
-            <a:solidFill>
-              <a:schemeClr val="bg1"/>
-            </a:solidFill>
-            <a:ln>
-              <a:solidFill>
-                <a:srgbClr val="7CCAC1"/>
-              </a:solidFill>
-            </a:ln>
-          </p:spPr>
-          <p:style>
-            <a:lnRef idx="2">
-              <a:schemeClr val="accent1">
-                <a:shade val="50000"/>
-              </a:schemeClr>
-            </a:lnRef>
-            <a:fillRef idx="1">
-              <a:schemeClr val="accent1"/>
-            </a:fillRef>
-            <a:effectRef idx="0">
-              <a:schemeClr val="accent1"/>
-            </a:effectRef>
-            <a:fontRef idx="minor">
-              <a:schemeClr val="lt1"/>
-            </a:fontRef>
-          </p:style>
-          <p:txBody>
-            <a:bodyPr rtlCol="0" anchor="ctr"/>
-            <a:lstStyle/>
-            <a:p>
-              <a:pPr algn="ctr"/>
-              <a:r>
-                <a:rPr lang="ko-KR" altLang="en-US" sz="2400" b="1" dirty="0">
-                  <a:solidFill>
-                    <a:schemeClr val="tx1">
-                      <a:lumMod val="75000"/>
-                      <a:lumOff val="25000"/>
-                    </a:schemeClr>
-                  </a:solidFill>
-                </a:rPr>
-                <a:t>예제</a:t>
-              </a:r>
-            </a:p>
-          </p:txBody>
-        </p:sp>
-        <p:sp>
-          <p:nvSpPr>
-            <p:cNvPr id="56" name="직각 삼각형 55">
-              <a:extLst>
-                <a:ext uri="{FF2B5EF4-FFF2-40B4-BE49-F238E27FC236}">
-                  <a16:creationId xmlns:a16="http://schemas.microsoft.com/office/drawing/2014/main" id="{A7DD8194-D38F-440C-BDE8-2E1AB1C547FF}"/>
-                </a:ext>
-              </a:extLst>
-            </p:cNvPr>
-            <p:cNvSpPr/>
-            <p:nvPr/>
-          </p:nvSpPr>
-          <p:spPr>
-            <a:xfrm rot="5400000">
-              <a:off x="2902568" y="1697727"/>
-              <a:ext cx="661617" cy="661617"/>
-            </a:xfrm>
-            <a:prstGeom prst="rtTriangle">
-              <a:avLst/>
-            </a:prstGeom>
-            <a:solidFill>
-              <a:srgbClr val="46ACA1"/>
-            </a:solidFill>
-            <a:ln>
-              <a:noFill/>
-            </a:ln>
-          </p:spPr>
-          <p:style>
-            <a:lnRef idx="2">
-              <a:schemeClr val="accent1">
-                <a:shade val="50000"/>
-              </a:schemeClr>
-            </a:lnRef>
-            <a:fillRef idx="1">
-              <a:schemeClr val="accent1"/>
-            </a:fillRef>
-            <a:effectRef idx="0">
-              <a:schemeClr val="accent1"/>
-            </a:effectRef>
-            <a:fontRef idx="minor">
-              <a:schemeClr val="lt1"/>
-            </a:fontRef>
-          </p:style>
-          <p:txBody>
-            <a:bodyPr rtlCol="0" anchor="ctr"/>
-            <a:lstStyle/>
-            <a:p>
-              <a:pPr algn="ctr"/>
-              <a:endParaRPr lang="ko-KR" altLang="en-US">
-                <a:solidFill>
-                  <a:prstClr val="white"/>
-                </a:solidFill>
-              </a:endParaRPr>
-            </a:p>
-          </p:txBody>
-        </p:sp>
-        <p:sp>
-          <p:nvSpPr>
-            <p:cNvPr id="57" name="직사각형 56">
-              <a:extLst>
-                <a:ext uri="{FF2B5EF4-FFF2-40B4-BE49-F238E27FC236}">
-                  <a16:creationId xmlns:a16="http://schemas.microsoft.com/office/drawing/2014/main" id="{2B40C52F-61C4-4726-BF66-8F694B8E6D71}"/>
-                </a:ext>
-              </a:extLst>
-            </p:cNvPr>
-            <p:cNvSpPr/>
-            <p:nvPr/>
-          </p:nvSpPr>
-          <p:spPr>
-            <a:xfrm>
-              <a:off x="2918932" y="1675711"/>
-              <a:ext cx="464936" cy="461665"/>
-            </a:xfrm>
-            <a:prstGeom prst="rect">
-              <a:avLst/>
-            </a:prstGeom>
-          </p:spPr>
-          <p:txBody>
-            <a:bodyPr wrap="square">
-              <a:spAutoFit/>
-            </a:bodyPr>
-            <a:lstStyle/>
-            <a:p>
-              <a:r>
-                <a:rPr lang="en-US" altLang="ko-KR" sz="2400" b="1" dirty="0">
-                  <a:solidFill>
-                    <a:prstClr val="white"/>
-                  </a:solidFill>
-                </a:rPr>
-                <a:t>4</a:t>
-              </a:r>
-              <a:r>
-                <a:rPr lang="ko-KR" altLang="en-US" sz="2400" b="1" dirty="0">
-                  <a:solidFill>
-                    <a:prstClr val="white"/>
-                  </a:solidFill>
-                </a:rPr>
-                <a:t> </a:t>
-              </a:r>
-              <a:endParaRPr lang="ko-KR" altLang="en-US" sz="2400" b="1" dirty="0">
-                <a:solidFill>
-                  <a:prstClr val="black"/>
-                </a:solidFill>
-              </a:endParaRPr>
-            </a:p>
-          </p:txBody>
-        </p:sp>
-      </p:grpSp>
-      <p:grpSp>
-        <p:nvGrpSpPr>
-          <p:cNvPr id="21" name="그룹 20">
-            <a:extLst>
-              <a:ext uri="{FF2B5EF4-FFF2-40B4-BE49-F238E27FC236}">
-                <a16:creationId xmlns:a16="http://schemas.microsoft.com/office/drawing/2014/main" id="{699541B6-F51F-4F42-A016-99FA06E011AB}"/>
-              </a:ext>
-            </a:extLst>
-          </p:cNvPr>
-          <p:cNvGrpSpPr/>
-          <p:nvPr/>
-        </p:nvGrpSpPr>
-        <p:grpSpPr>
-          <a:xfrm>
-            <a:off x="91440" y="58724"/>
-            <a:ext cx="8972584" cy="6749968"/>
-            <a:chOff x="91440" y="58724"/>
-            <a:chExt cx="8972584" cy="6749968"/>
-          </a:xfrm>
-        </p:grpSpPr>
-        <p:sp>
-          <p:nvSpPr>
-            <p:cNvPr id="22" name="모서리가 둥근 직사각형 4">
-              <a:extLst>
-                <a:ext uri="{FF2B5EF4-FFF2-40B4-BE49-F238E27FC236}">
-                  <a16:creationId xmlns:a16="http://schemas.microsoft.com/office/drawing/2014/main" id="{776C25F0-6975-4855-9F36-1C7307CEEBD3}"/>
-                </a:ext>
-              </a:extLst>
-            </p:cNvPr>
-            <p:cNvSpPr/>
-            <p:nvPr/>
-          </p:nvSpPr>
-          <p:spPr>
-            <a:xfrm>
-              <a:off x="182880" y="142662"/>
-              <a:ext cx="8778240" cy="6574809"/>
-            </a:xfrm>
-            <a:prstGeom prst="roundRect">
-              <a:avLst>
-                <a:gd name="adj" fmla="val 3862"/>
-              </a:avLst>
-            </a:prstGeom>
-            <a:noFill/>
-            <a:ln w="38100">
-              <a:solidFill>
-                <a:srgbClr val="46ACA1"/>
-              </a:solidFill>
-            </a:ln>
-          </p:spPr>
-          <p:style>
-            <a:lnRef idx="2">
-              <a:schemeClr val="accent1">
-                <a:shade val="50000"/>
-              </a:schemeClr>
-            </a:lnRef>
-            <a:fillRef idx="1">
-              <a:schemeClr val="accent1"/>
-            </a:fillRef>
-            <a:effectRef idx="0">
-              <a:schemeClr val="accent1"/>
-            </a:effectRef>
-            <a:fontRef idx="minor">
-              <a:schemeClr val="lt1"/>
-            </a:fontRef>
-          </p:style>
-          <p:txBody>
-            <a:bodyPr rtlCol="0" anchor="ctr"/>
-            <a:lstStyle/>
-            <a:p>
-              <a:pPr algn="ctr"/>
-              <a:endParaRPr lang="ko-KR" altLang="en-US" dirty="0">
-                <a:solidFill>
-                  <a:prstClr val="white"/>
-                </a:solidFill>
-              </a:endParaRPr>
-            </a:p>
-          </p:txBody>
-        </p:sp>
-        <p:sp>
-          <p:nvSpPr>
-            <p:cNvPr id="23" name="모서리가 둥근 직사각형 5">
-              <a:extLst>
-                <a:ext uri="{FF2B5EF4-FFF2-40B4-BE49-F238E27FC236}">
-                  <a16:creationId xmlns:a16="http://schemas.microsoft.com/office/drawing/2014/main" id="{721564B0-3419-4F0D-9D2A-49420FA12718}"/>
-                </a:ext>
-              </a:extLst>
-            </p:cNvPr>
-            <p:cNvSpPr/>
-            <p:nvPr/>
-          </p:nvSpPr>
-          <p:spPr>
-            <a:xfrm>
-              <a:off x="91440" y="58724"/>
-              <a:ext cx="8972584" cy="6749968"/>
-            </a:xfrm>
-            <a:prstGeom prst="roundRect">
-              <a:avLst>
-                <a:gd name="adj" fmla="val 5051"/>
-              </a:avLst>
-            </a:prstGeom>
-            <a:noFill/>
-            <a:ln w="38100">
-              <a:solidFill>
-                <a:schemeClr val="tx1">
-                  <a:lumMod val="65000"/>
-                  <a:lumOff val="35000"/>
-                </a:schemeClr>
-              </a:solidFill>
-            </a:ln>
-          </p:spPr>
-          <p:style>
-            <a:lnRef idx="2">
-              <a:schemeClr val="accent1">
-                <a:shade val="50000"/>
-              </a:schemeClr>
-            </a:lnRef>
-            <a:fillRef idx="1">
-              <a:schemeClr val="accent1"/>
-            </a:fillRef>
-            <a:effectRef idx="0">
-              <a:schemeClr val="accent1"/>
-            </a:effectRef>
-            <a:fontRef idx="minor">
-              <a:schemeClr val="lt1"/>
-            </a:fontRef>
-          </p:style>
-          <p:txBody>
-            <a:bodyPr rtlCol="0" anchor="ctr"/>
-            <a:lstStyle/>
-            <a:p>
-              <a:pPr algn="ctr"/>
-              <a:endParaRPr lang="ko-KR" altLang="en-US">
-                <a:solidFill>
-                  <a:prstClr val="white"/>
-                </a:solidFill>
-              </a:endParaRPr>
-            </a:p>
-          </p:txBody>
-        </p:sp>
-      </p:grpSp>
-      <p:sp>
-        <p:nvSpPr>
-          <p:cNvPr id="24" name="모서리가 둥근 직사각형 6">
-            <a:extLst>
-              <a:ext uri="{FF2B5EF4-FFF2-40B4-BE49-F238E27FC236}">
-                <a16:creationId xmlns:a16="http://schemas.microsoft.com/office/drawing/2014/main" id="{C638FBCE-35D9-490F-8052-6C660097514E}"/>
-              </a:ext>
-            </a:extLst>
-          </p:cNvPr>
-          <p:cNvSpPr/>
-          <p:nvPr/>
-        </p:nvSpPr>
-        <p:spPr>
-          <a:xfrm>
-            <a:off x="3509924" y="947470"/>
-            <a:ext cx="2131615" cy="367759"/>
-          </a:xfrm>
-          <a:prstGeom prst="roundRect">
-            <a:avLst>
-              <a:gd name="adj" fmla="val 50000"/>
-            </a:avLst>
-          </a:prstGeom>
-          <a:solidFill>
-            <a:schemeClr val="tx1">
-              <a:lumMod val="75000"/>
-              <a:lumOff val="25000"/>
-            </a:schemeClr>
-          </a:solidFill>
-          <a:ln>
-            <a:noFill/>
-          </a:ln>
-        </p:spPr>
-        <p:style>
-          <a:lnRef idx="2">
-            <a:schemeClr val="accent1">
-              <a:shade val="50000"/>
-            </a:schemeClr>
-          </a:lnRef>
-          <a:fillRef idx="1">
-            <a:schemeClr val="accent1"/>
-          </a:fillRef>
-          <a:effectRef idx="0">
-            <a:schemeClr val="accent1"/>
-          </a:effectRef>
-          <a:fontRef idx="minor">
-            <a:schemeClr val="lt1"/>
-          </a:fontRef>
-        </p:style>
-        <p:txBody>
-          <a:bodyPr rtlCol="0" anchor="ctr"/>
-          <a:lstStyle/>
-          <a:p>
-            <a:pPr algn="ctr"/>
-            <a:r>
-              <a:rPr lang="ko-KR" altLang="en-US" sz="1600" b="1" dirty="0">
-                <a:solidFill>
-                  <a:prstClr val="white"/>
-                </a:solidFill>
-              </a:rPr>
-              <a:t>목 차</a:t>
-            </a:r>
-            <a:endParaRPr lang="en-US" altLang="ko-KR" sz="1600" b="1" dirty="0">
-              <a:solidFill>
-                <a:prstClr val="white"/>
-              </a:solidFill>
-            </a:endParaRPr>
-          </a:p>
-        </p:txBody>
-      </p:sp>
-      <p:sp>
-        <p:nvSpPr>
-          <p:cNvPr id="2" name="슬라이드 번호 개체 틀 1">
-            <a:extLst>
-              <a:ext uri="{FF2B5EF4-FFF2-40B4-BE49-F238E27FC236}">
-                <a16:creationId xmlns:a16="http://schemas.microsoft.com/office/drawing/2014/main" id="{FA8BA3B4-4268-4A10-82BF-437B6BE666ED}"/>
-              </a:ext>
-            </a:extLst>
-          </p:cNvPr>
-          <p:cNvSpPr>
-            <a:spLocks noGrp="1"/>
-          </p:cNvSpPr>
-          <p:nvPr>
-            <p:ph type="sldNum" sz="quarter" idx="12"/>
-          </p:nvPr>
-        </p:nvSpPr>
-        <p:spPr/>
-        <p:txBody>
-          <a:bodyPr/>
-          <a:lstStyle/>
-          <a:p>
-            <a:fld id="{339B9C72-21D5-4AB9-87FA-CC4C72A0D342}" type="slidenum">
-              <a:rPr lang="ko-KR" altLang="en-US" smtClean="0">
-                <a:solidFill>
-                  <a:prstClr val="black">
-                    <a:tint val="75000"/>
-                  </a:prstClr>
-                </a:solidFill>
-              </a:rPr>
-              <a:pPr/>
-              <a:t>2</a:t>
-            </a:fld>
-            <a:endParaRPr lang="ko-KR" altLang="en-US">
-              <a:solidFill>
-                <a:prstClr val="black">
-                  <a:tint val="75000"/>
-                </a:prstClr>
-              </a:solidFill>
-            </a:endParaRPr>
-          </a:p>
-        </p:txBody>
-      </p:sp>
-    </p:spTree>
-    <p:extLst>
-      <p:ext uri="{BB962C8B-B14F-4D97-AF65-F5344CB8AC3E}">
-        <p14:creationId xmlns:p14="http://schemas.microsoft.com/office/powerpoint/2010/main" val="2435991669"/>
-      </p:ext>
-    </p:extLst>
-  </p:cSld>
-  <p:clrMapOvr>
-    <a:masterClrMapping/>
-  </p:clrMapOvr>
-</p:sld>
-</file>
-
-<file path=ppt/slides/slide20.xml><?xml version="1.0" encoding="utf-8"?>
+<file path=ppt/slides/slide21.xml><?xml version="1.0" encoding="utf-8"?>
 <p:sld xmlns:a="http://schemas.openxmlformats.org/drawingml/2006/main" xmlns:r="http://schemas.openxmlformats.org/officeDocument/2006/relationships" xmlns:p="http://schemas.openxmlformats.org/presentationml/2006/main">
   <p:cSld>
     <p:spTree>
@@ -23480,7 +24307,7 @@
                 </a:solidFill>
               </a:rPr>
               <a:pPr/>
-              <a:t>20</a:t>
+              <a:t>21</a:t>
             </a:fld>
             <a:endParaRPr lang="ko-KR" altLang="en-US" dirty="0">
               <a:solidFill>
@@ -24956,7 +25783,7 @@
 </p:sld>
 </file>
 
-<file path=ppt/slides/slide21.xml><?xml version="1.0" encoding="utf-8"?>
+<file path=ppt/slides/slide22.xml><?xml version="1.0" encoding="utf-8"?>
 <p:sld xmlns:a="http://schemas.openxmlformats.org/drawingml/2006/main" xmlns:r="http://schemas.openxmlformats.org/officeDocument/2006/relationships" xmlns:p="http://schemas.openxmlformats.org/presentationml/2006/main">
   <p:cSld>
     <p:spTree>
@@ -25188,7 +26015,7 @@
                 </a:solidFill>
               </a:rPr>
               <a:pPr/>
-              <a:t>21</a:t>
+              <a:t>22</a:t>
             </a:fld>
             <a:endParaRPr lang="ko-KR" altLang="en-US" dirty="0">
               <a:solidFill>
@@ -26543,7 +27370,7 @@
 </p:sld>
 </file>
 
-<file path=ppt/slides/slide22.xml><?xml version="1.0" encoding="utf-8"?>
+<file path=ppt/slides/slide23.xml><?xml version="1.0" encoding="utf-8"?>
 <p:sld xmlns:a="http://schemas.openxmlformats.org/drawingml/2006/main" xmlns:r="http://schemas.openxmlformats.org/officeDocument/2006/relationships" xmlns:p="http://schemas.openxmlformats.org/presentationml/2006/main">
   <p:cSld>
     <p:spTree>
@@ -26775,7 +27602,7 @@
                 </a:solidFill>
               </a:rPr>
               <a:pPr/>
-              <a:t>22</a:t>
+              <a:t>23</a:t>
             </a:fld>
             <a:endParaRPr lang="ko-KR" altLang="en-US" dirty="0">
               <a:solidFill>
@@ -28032,7 +28859,7 @@
 </p:sld>
 </file>
 
-<file path=ppt/slides/slide23.xml><?xml version="1.0" encoding="utf-8"?>
+<file path=ppt/slides/slide24.xml><?xml version="1.0" encoding="utf-8"?>
 <p:sld xmlns:a="http://schemas.openxmlformats.org/drawingml/2006/main" xmlns:r="http://schemas.openxmlformats.org/officeDocument/2006/relationships" xmlns:p="http://schemas.openxmlformats.org/presentationml/2006/main">
   <p:cSld>
     <p:bg>
@@ -28302,7 +29129,7 @@
                 </a:solidFill>
               </a:rPr>
               <a:pPr/>
-              <a:t>23</a:t>
+              <a:t>24</a:t>
             </a:fld>
             <a:endParaRPr lang="ko-KR" altLang="en-US">
               <a:solidFill>
@@ -28400,7 +29227,7 @@
 </p:sld>
 </file>
 
-<file path=ppt/slides/slide24.xml><?xml version="1.0" encoding="utf-8"?>
+<file path=ppt/slides/slide25.xml><?xml version="1.0" encoding="utf-8"?>
 <p:sld xmlns:a="http://schemas.openxmlformats.org/drawingml/2006/main" xmlns:r="http://schemas.openxmlformats.org/officeDocument/2006/relationships" xmlns:p="http://schemas.openxmlformats.org/presentationml/2006/main">
   <p:cSld>
     <p:bg>
@@ -28662,7 +29489,7 @@
                 </a:solidFill>
               </a:rPr>
               <a:pPr/>
-              <a:t>24</a:t>
+              <a:t>25</a:t>
             </a:fld>
             <a:endParaRPr lang="ko-KR" altLang="en-US">
               <a:solidFill>
@@ -29009,10 +29836,10 @@
       </p:grpSpPr>
       <p:sp>
         <p:nvSpPr>
-          <p:cNvPr id="11" name="직사각형 10">
+          <p:cNvPr id="33" name="직사각형 32">
             <a:extLst>
               <a:ext uri="{FF2B5EF4-FFF2-40B4-BE49-F238E27FC236}">
-                <a16:creationId xmlns:a16="http://schemas.microsoft.com/office/drawing/2014/main" id="{F4FA4442-9D34-4814-B62A-B6F9EA4E2356}"/>
+                <a16:creationId xmlns:a16="http://schemas.microsoft.com/office/drawing/2014/main" id="{41D4DCFF-7E27-48F3-B785-C54A6B07769A}"/>
               </a:ext>
             </a:extLst>
           </p:cNvPr>
@@ -29021,8 +29848,8 @@
         </p:nvSpPr>
         <p:spPr>
           <a:xfrm>
-            <a:off x="3920852" y="3451724"/>
-            <a:ext cx="2392237" cy="464399"/>
+            <a:off x="1686245" y="2878098"/>
+            <a:ext cx="2480915" cy="464399"/>
           </a:xfrm>
           <a:prstGeom prst="rect">
             <a:avLst/>
@@ -29059,10 +29886,10 @@
       </p:sp>
       <p:sp>
         <p:nvSpPr>
-          <p:cNvPr id="33" name="직사각형 32">
+          <p:cNvPr id="11" name="직사각형 10">
             <a:extLst>
               <a:ext uri="{FF2B5EF4-FFF2-40B4-BE49-F238E27FC236}">
-                <a16:creationId xmlns:a16="http://schemas.microsoft.com/office/drawing/2014/main" id="{41D4DCFF-7E27-48F3-B785-C54A6B07769A}"/>
+                <a16:creationId xmlns:a16="http://schemas.microsoft.com/office/drawing/2014/main" id="{F4FA4442-9D34-4814-B62A-B6F9EA4E2356}"/>
               </a:ext>
             </a:extLst>
           </p:cNvPr>
@@ -29071,8 +29898,8 @@
         </p:nvSpPr>
         <p:spPr>
           <a:xfrm>
-            <a:off x="1686245" y="2867688"/>
-            <a:ext cx="2480915" cy="464399"/>
+            <a:off x="4461807" y="3470640"/>
+            <a:ext cx="2392237" cy="464399"/>
           </a:xfrm>
           <a:prstGeom prst="rect">
             <a:avLst/>
@@ -29130,12 +29957,12 @@
           <a:noFill/>
         </p:spPr>
         <p:txBody>
-          <a:bodyPr wrap="square" rtlCol="0">
+          <a:bodyPr wrap="square" rtlCol="0" anchor="ctr">
             <a:spAutoFit/>
           </a:bodyPr>
           <a:lstStyle/>
           <a:p>
-            <a:pPr algn="just">
+            <a:pPr algn="ctr">
               <a:lnSpc>
                 <a:spcPct val="150000"/>
               </a:lnSpc>
@@ -31821,6 +32648,191 @@
           <a:chExt cx="0" cy="0"/>
         </a:xfrm>
       </p:grpSpPr>
+      <p:sp>
+        <p:nvSpPr>
+          <p:cNvPr id="16" name="직사각형 15">
+            <a:extLst>
+              <a:ext uri="{FF2B5EF4-FFF2-40B4-BE49-F238E27FC236}">
+                <a16:creationId xmlns:a16="http://schemas.microsoft.com/office/drawing/2014/main" id="{9E91394D-47CF-442A-951A-09417EAE218A}"/>
+              </a:ext>
+            </a:extLst>
+          </p:cNvPr>
+          <p:cNvSpPr/>
+          <p:nvPr/>
+        </p:nvSpPr>
+        <p:spPr>
+          <a:xfrm>
+            <a:off x="4415881" y="4109285"/>
+            <a:ext cx="2092869" cy="464399"/>
+          </a:xfrm>
+          <a:prstGeom prst="rect">
+            <a:avLst/>
+          </a:prstGeom>
+          <a:solidFill>
+            <a:srgbClr val="46ACA1"/>
+          </a:solidFill>
+          <a:ln>
+            <a:noFill/>
+          </a:ln>
+        </p:spPr>
+        <p:style>
+          <a:lnRef idx="1">
+            <a:schemeClr val="accent6"/>
+          </a:lnRef>
+          <a:fillRef idx="3">
+            <a:schemeClr val="accent6"/>
+          </a:fillRef>
+          <a:effectRef idx="2">
+            <a:schemeClr val="accent6"/>
+          </a:effectRef>
+          <a:fontRef idx="minor">
+            <a:schemeClr val="lt1"/>
+          </a:fontRef>
+        </p:style>
+        <p:txBody>
+          <a:bodyPr rtlCol="0" anchor="ctr"/>
+          <a:lstStyle/>
+          <a:p>
+            <a:pPr algn="ctr"/>
+            <a:endParaRPr lang="ko-KR" altLang="en-US"/>
+          </a:p>
+        </p:txBody>
+      </p:sp>
+      <p:sp>
+        <p:nvSpPr>
+          <p:cNvPr id="15" name="직사각형 14">
+            <a:extLst>
+              <a:ext uri="{FF2B5EF4-FFF2-40B4-BE49-F238E27FC236}">
+                <a16:creationId xmlns:a16="http://schemas.microsoft.com/office/drawing/2014/main" id="{7EA73ED5-334C-453B-9D5C-6F627E5565F1}"/>
+              </a:ext>
+            </a:extLst>
+          </p:cNvPr>
+          <p:cNvSpPr/>
+          <p:nvPr/>
+        </p:nvSpPr>
+        <p:spPr>
+          <a:xfrm>
+            <a:off x="3553406" y="2815952"/>
+            <a:ext cx="825192" cy="464399"/>
+          </a:xfrm>
+          <a:prstGeom prst="rect">
+            <a:avLst/>
+          </a:prstGeom>
+          <a:solidFill>
+            <a:srgbClr val="46ACA1"/>
+          </a:solidFill>
+          <a:ln>
+            <a:noFill/>
+          </a:ln>
+        </p:spPr>
+        <p:style>
+          <a:lnRef idx="1">
+            <a:schemeClr val="accent6"/>
+          </a:lnRef>
+          <a:fillRef idx="3">
+            <a:schemeClr val="accent6"/>
+          </a:fillRef>
+          <a:effectRef idx="2">
+            <a:schemeClr val="accent6"/>
+          </a:effectRef>
+          <a:fontRef idx="minor">
+            <a:schemeClr val="lt1"/>
+          </a:fontRef>
+        </p:style>
+        <p:txBody>
+          <a:bodyPr rtlCol="0" anchor="ctr"/>
+          <a:lstStyle/>
+          <a:p>
+            <a:pPr algn="ctr"/>
+            <a:endParaRPr lang="ko-KR" altLang="en-US"/>
+          </a:p>
+        </p:txBody>
+      </p:sp>
+      <p:sp>
+        <p:nvSpPr>
+          <p:cNvPr id="14" name="TextBox 13">
+            <a:extLst>
+              <a:ext uri="{FF2B5EF4-FFF2-40B4-BE49-F238E27FC236}">
+                <a16:creationId xmlns:a16="http://schemas.microsoft.com/office/drawing/2014/main" id="{352A8D1B-8477-4AB4-8F8B-2FB01D8FAC1E}"/>
+              </a:ext>
+            </a:extLst>
+          </p:cNvPr>
+          <p:cNvSpPr txBox="1"/>
+          <p:nvPr/>
+        </p:nvSpPr>
+        <p:spPr>
+          <a:xfrm>
+            <a:off x="1658286" y="2685117"/>
+            <a:ext cx="5799469" cy="1961050"/>
+          </a:xfrm>
+          <a:prstGeom prst="rect">
+            <a:avLst/>
+          </a:prstGeom>
+          <a:noFill/>
+        </p:spPr>
+        <p:txBody>
+          <a:bodyPr wrap="square" rtlCol="0">
+            <a:spAutoFit/>
+          </a:bodyPr>
+          <a:lstStyle/>
+          <a:p>
+            <a:pPr algn="just">
+              <a:lnSpc>
+                <a:spcPct val="150000"/>
+              </a:lnSpc>
+            </a:pPr>
+            <a:r>
+              <a:rPr lang="ko-KR" altLang="en-US" sz="2800" b="1" dirty="0"/>
+              <a:t>데이터가 </a:t>
+            </a:r>
+            <a:r>
+              <a:rPr lang="ko-KR" altLang="en-US" sz="2800" b="1" dirty="0">
+                <a:solidFill>
+                  <a:schemeClr val="bg1"/>
+                </a:solidFill>
+              </a:rPr>
+              <a:t>저장</a:t>
+            </a:r>
+            <a:r>
+              <a:rPr lang="ko-KR" altLang="en-US" sz="2800" b="1" dirty="0"/>
+              <a:t>이 되면서</a:t>
+            </a:r>
+            <a:r>
+              <a:rPr lang="en-US" altLang="ko-KR" sz="2800" b="1" dirty="0"/>
+              <a:t>, </a:t>
+            </a:r>
+            <a:r>
+              <a:rPr lang="ko-KR" altLang="en-US" sz="2800" b="1" dirty="0"/>
+              <a:t>그와 동시에 실시간에 가까운 속도로 색인된 데이터의  </a:t>
+            </a:r>
+            <a:r>
+              <a:rPr lang="ko-KR" altLang="en-US" sz="2800" b="1" dirty="0">
+                <a:solidFill>
+                  <a:schemeClr val="bg1"/>
+                </a:solidFill>
+              </a:rPr>
+              <a:t>검색 및</a:t>
+            </a:r>
+            <a:r>
+              <a:rPr lang="en-US" altLang="ko-KR" sz="2800" b="1" dirty="0">
+                <a:solidFill>
+                  <a:schemeClr val="bg1"/>
+                </a:solidFill>
+              </a:rPr>
+              <a:t> </a:t>
+            </a:r>
+            <a:r>
+              <a:rPr lang="ko-KR" altLang="en-US" sz="2800" b="1" dirty="0">
+                <a:solidFill>
+                  <a:schemeClr val="bg1"/>
+                </a:solidFill>
+              </a:rPr>
+              <a:t>집계</a:t>
+            </a:r>
+            <a:endParaRPr lang="ko-KR" altLang="en-US" sz="2800" b="1" dirty="0"/>
+          </a:p>
+        </p:txBody>
+      </p:sp>
       <p:grpSp>
         <p:nvGrpSpPr>
           <p:cNvPr id="4" name="그룹 3">
@@ -32148,203 +33160,6 @@
               </a:rPr>
               <a:t>Near real-time</a:t>
             </a:r>
-          </a:p>
-        </p:txBody>
-      </p:sp>
-      <p:sp>
-        <p:nvSpPr>
-          <p:cNvPr id="16" name="직사각형 15">
-            <a:extLst>
-              <a:ext uri="{FF2B5EF4-FFF2-40B4-BE49-F238E27FC236}">
-                <a16:creationId xmlns:a16="http://schemas.microsoft.com/office/drawing/2014/main" id="{9E91394D-47CF-442A-951A-09417EAE218A}"/>
-              </a:ext>
-            </a:extLst>
-          </p:cNvPr>
-          <p:cNvSpPr/>
-          <p:nvPr/>
-        </p:nvSpPr>
-        <p:spPr>
-          <a:xfrm>
-            <a:off x="4415881" y="4109285"/>
-            <a:ext cx="2092869" cy="464399"/>
-          </a:xfrm>
-          <a:prstGeom prst="rect">
-            <a:avLst/>
-          </a:prstGeom>
-          <a:solidFill>
-            <a:srgbClr val="46ACA1"/>
-          </a:solidFill>
-          <a:ln>
-            <a:noFill/>
-          </a:ln>
-        </p:spPr>
-        <p:style>
-          <a:lnRef idx="1">
-            <a:schemeClr val="accent6"/>
-          </a:lnRef>
-          <a:fillRef idx="3">
-            <a:schemeClr val="accent6"/>
-          </a:fillRef>
-          <a:effectRef idx="2">
-            <a:schemeClr val="accent6"/>
-          </a:effectRef>
-          <a:fontRef idx="minor">
-            <a:schemeClr val="lt1"/>
-          </a:fontRef>
-        </p:style>
-        <p:txBody>
-          <a:bodyPr rtlCol="0" anchor="ctr"/>
-          <a:lstStyle/>
-          <a:p>
-            <a:pPr algn="ctr"/>
-            <a:endParaRPr lang="ko-KR" altLang="en-US"/>
-          </a:p>
-        </p:txBody>
-      </p:sp>
-      <p:sp>
-        <p:nvSpPr>
-          <p:cNvPr id="15" name="직사각형 14">
-            <a:extLst>
-              <a:ext uri="{FF2B5EF4-FFF2-40B4-BE49-F238E27FC236}">
-                <a16:creationId xmlns:a16="http://schemas.microsoft.com/office/drawing/2014/main" id="{7EA73ED5-334C-453B-9D5C-6F627E5565F1}"/>
-              </a:ext>
-            </a:extLst>
-          </p:cNvPr>
-          <p:cNvSpPr/>
-          <p:nvPr/>
-        </p:nvSpPr>
-        <p:spPr>
-          <a:xfrm>
-            <a:off x="3189058" y="2815952"/>
-            <a:ext cx="825192" cy="464399"/>
-          </a:xfrm>
-          <a:prstGeom prst="rect">
-            <a:avLst/>
-          </a:prstGeom>
-          <a:solidFill>
-            <a:srgbClr val="46ACA1"/>
-          </a:solidFill>
-          <a:ln>
-            <a:noFill/>
-          </a:ln>
-        </p:spPr>
-        <p:style>
-          <a:lnRef idx="1">
-            <a:schemeClr val="accent6"/>
-          </a:lnRef>
-          <a:fillRef idx="3">
-            <a:schemeClr val="accent6"/>
-          </a:fillRef>
-          <a:effectRef idx="2">
-            <a:schemeClr val="accent6"/>
-          </a:effectRef>
-          <a:fontRef idx="minor">
-            <a:schemeClr val="lt1"/>
-          </a:fontRef>
-        </p:style>
-        <p:txBody>
-          <a:bodyPr rtlCol="0" anchor="ctr"/>
-          <a:lstStyle/>
-          <a:p>
-            <a:pPr algn="ctr"/>
-            <a:endParaRPr lang="ko-KR" altLang="en-US"/>
-          </a:p>
-        </p:txBody>
-      </p:sp>
-      <p:sp>
-        <p:nvSpPr>
-          <p:cNvPr id="14" name="TextBox 13">
-            <a:extLst>
-              <a:ext uri="{FF2B5EF4-FFF2-40B4-BE49-F238E27FC236}">
-                <a16:creationId xmlns:a16="http://schemas.microsoft.com/office/drawing/2014/main" id="{352A8D1B-8477-4AB4-8F8B-2FB01D8FAC1E}"/>
-              </a:ext>
-            </a:extLst>
-          </p:cNvPr>
-          <p:cNvSpPr txBox="1"/>
-          <p:nvPr/>
-        </p:nvSpPr>
-        <p:spPr>
-          <a:xfrm>
-            <a:off x="1658286" y="2685117"/>
-            <a:ext cx="5799469" cy="1961050"/>
-          </a:xfrm>
-          <a:prstGeom prst="rect">
-            <a:avLst/>
-          </a:prstGeom>
-          <a:noFill/>
-        </p:spPr>
-        <p:txBody>
-          <a:bodyPr wrap="square" rtlCol="0">
-            <a:spAutoFit/>
-          </a:bodyPr>
-          <a:lstStyle/>
-          <a:p>
-            <a:pPr algn="just">
-              <a:lnSpc>
-                <a:spcPct val="150000"/>
-              </a:lnSpc>
-            </a:pPr>
-            <a:r>
-              <a:rPr lang="ko-KR" altLang="en-US" sz="2800" b="1" dirty="0"/>
-              <a:t>데이터가 </a:t>
-            </a:r>
-            <a:r>
-              <a:rPr lang="ko-KR" altLang="en-US" sz="2800" b="1" dirty="0">
-                <a:solidFill>
-                  <a:schemeClr val="bg1"/>
-                </a:solidFill>
-              </a:rPr>
-              <a:t>색인 </a:t>
-            </a:r>
-            <a:r>
-              <a:rPr lang="en-US" altLang="ko-KR" sz="2800" b="1" dirty="0"/>
-              <a:t>(</a:t>
-            </a:r>
-            <a:r>
-              <a:rPr lang="ko-KR" altLang="en-US" sz="2800" b="1" dirty="0"/>
-              <a:t>저장</a:t>
-            </a:r>
-            <a:r>
-              <a:rPr lang="en-US" altLang="ko-KR" sz="2800" b="1" dirty="0"/>
-              <a:t>)</a:t>
-            </a:r>
-            <a:r>
-              <a:rPr lang="ko-KR" altLang="en-US" sz="2800" b="1" dirty="0"/>
-              <a:t>이 되면서</a:t>
-            </a:r>
-            <a:r>
-              <a:rPr lang="en-US" altLang="ko-KR" sz="2800" b="1" dirty="0"/>
-              <a:t>, </a:t>
-            </a:r>
-            <a:r>
-              <a:rPr lang="ko-KR" altLang="en-US" sz="2800" b="1" dirty="0"/>
-              <a:t>그와 동시에 실시간에 가까운 속도로 색인된 데이터의  </a:t>
-            </a:r>
-            <a:r>
-              <a:rPr lang="ko-KR" altLang="en-US" sz="2800" b="1" dirty="0">
-                <a:solidFill>
-                  <a:schemeClr val="bg1"/>
-                </a:solidFill>
-              </a:rPr>
-              <a:t>검색 및</a:t>
-            </a:r>
-            <a:r>
-              <a:rPr lang="en-US" altLang="ko-KR" sz="2800" b="1" dirty="0">
-                <a:solidFill>
-                  <a:schemeClr val="bg1"/>
-                </a:solidFill>
-              </a:rPr>
-              <a:t> </a:t>
-            </a:r>
-            <a:r>
-              <a:rPr lang="ko-KR" altLang="en-US" sz="2800" b="1" dirty="0">
-                <a:solidFill>
-                  <a:schemeClr val="bg1"/>
-                </a:solidFill>
-              </a:rPr>
-              <a:t>집계</a:t>
-            </a:r>
-            <a:endParaRPr lang="ko-KR" altLang="en-US" sz="2800" b="1" dirty="0"/>
           </a:p>
         </p:txBody>
       </p:sp>
